--- a/计算机基础.pptx
+++ b/计算机基础.pptx
@@ -1,9 +1,12 @@
 
 <file path=ppt/presentation.xml><?xml version="1.0" encoding="utf-8"?>
-<p:presentation xmlns:a="http://schemas.openxmlformats.org/drawingml/2006/main" xmlns:r="http://schemas.openxmlformats.org/officeDocument/2006/relationships" xmlns:p="http://schemas.openxmlformats.org/presentationml/2006/main" saveSubsetFonts="1">
+<p:presentation xmlns:a="http://schemas.openxmlformats.org/drawingml/2006/main" xmlns:r="http://schemas.openxmlformats.org/officeDocument/2006/relationships" xmlns:p="http://schemas.openxmlformats.org/presentationml/2006/main">
   <p:sldMasterIdLst>
     <p:sldMasterId id="2147483648" r:id="rId1"/>
   </p:sldMasterIdLst>
+  <p:sldIdLst>
+    <p:sldId id="256" r:id="rId3"/>
+  </p:sldIdLst>
   <p:sldSz cx="12192000" cy="6858000"/>
   <p:notesSz cx="6858000" cy="9144000"/>
   <p:defaultTextStyle>
@@ -235,7 +238,6 @@
           <a:p>
             <a:fld id="{D997B5FA-0921-464F-AAE1-844C04324D75}" type="datetimeFigureOut">
               <a:rPr lang="zh-CN" altLang="en-US" smtClean="0"/>
-              <a:t>2015/5/5</a:t>
             </a:fld>
             <a:endParaRPr lang="zh-CN" altLang="en-US"/>
           </a:p>
@@ -277,18 +279,12 @@
           <a:p>
             <a:fld id="{565CE74E-AB26-4998-AD42-012C4C1AD076}" type="slidenum">
               <a:rPr lang="zh-CN" altLang="en-US" smtClean="0"/>
-              <a:t>‹#›</a:t>
             </a:fld>
             <a:endParaRPr lang="zh-CN" altLang="en-US"/>
           </a:p>
         </p:txBody>
       </p:sp>
     </p:spTree>
-    <p:extLst>
-      <p:ext uri="{BB962C8B-B14F-4D97-AF65-F5344CB8AC3E}">
-        <p14:creationId xmlns:p14="http://schemas.microsoft.com/office/powerpoint/2010/main" val="3051827620"/>
-      </p:ext>
-    </p:extLst>
   </p:cSld>
   <p:clrMapOvr>
     <a:masterClrMapping/>
@@ -356,6 +352,7 @@
               <a:rPr lang="zh-CN" altLang="en-US" smtClean="0"/>
               <a:t>单击此处编辑母版文本样式</a:t>
             </a:r>
+            <a:endParaRPr lang="zh-CN" altLang="en-US" smtClean="0"/>
           </a:p>
           <a:p>
             <a:pPr lvl="1"/>
@@ -363,6 +360,7 @@
               <a:rPr lang="zh-CN" altLang="en-US" smtClean="0"/>
               <a:t>第二级</a:t>
             </a:r>
+            <a:endParaRPr lang="zh-CN" altLang="en-US" smtClean="0"/>
           </a:p>
           <a:p>
             <a:pPr lvl="2"/>
@@ -370,6 +368,7 @@
               <a:rPr lang="zh-CN" altLang="en-US" smtClean="0"/>
               <a:t>第三级</a:t>
             </a:r>
+            <a:endParaRPr lang="zh-CN" altLang="en-US" smtClean="0"/>
           </a:p>
           <a:p>
             <a:pPr lvl="3"/>
@@ -377,6 +376,7 @@
               <a:rPr lang="zh-CN" altLang="en-US" smtClean="0"/>
               <a:t>第四级</a:t>
             </a:r>
+            <a:endParaRPr lang="zh-CN" altLang="en-US" smtClean="0"/>
           </a:p>
           <a:p>
             <a:pPr lvl="4"/>
@@ -405,7 +405,6 @@
           <a:p>
             <a:fld id="{D997B5FA-0921-464F-AAE1-844C04324D75}" type="datetimeFigureOut">
               <a:rPr lang="zh-CN" altLang="en-US" smtClean="0"/>
-              <a:t>2015/5/5</a:t>
             </a:fld>
             <a:endParaRPr lang="zh-CN" altLang="en-US"/>
           </a:p>
@@ -447,18 +446,12 @@
           <a:p>
             <a:fld id="{565CE74E-AB26-4998-AD42-012C4C1AD076}" type="slidenum">
               <a:rPr lang="zh-CN" altLang="en-US" smtClean="0"/>
-              <a:t>‹#›</a:t>
             </a:fld>
             <a:endParaRPr lang="zh-CN" altLang="en-US"/>
           </a:p>
         </p:txBody>
       </p:sp>
     </p:spTree>
-    <p:extLst>
-      <p:ext uri="{BB962C8B-B14F-4D97-AF65-F5344CB8AC3E}">
-        <p14:creationId xmlns:p14="http://schemas.microsoft.com/office/powerpoint/2010/main" val="3188717747"/>
-      </p:ext>
-    </p:extLst>
   </p:cSld>
   <p:clrMapOvr>
     <a:masterClrMapping/>
@@ -536,6 +529,7 @@
               <a:rPr lang="zh-CN" altLang="en-US" smtClean="0"/>
               <a:t>单击此处编辑母版文本样式</a:t>
             </a:r>
+            <a:endParaRPr lang="zh-CN" altLang="en-US" smtClean="0"/>
           </a:p>
           <a:p>
             <a:pPr lvl="1"/>
@@ -543,6 +537,7 @@
               <a:rPr lang="zh-CN" altLang="en-US" smtClean="0"/>
               <a:t>第二级</a:t>
             </a:r>
+            <a:endParaRPr lang="zh-CN" altLang="en-US" smtClean="0"/>
           </a:p>
           <a:p>
             <a:pPr lvl="2"/>
@@ -550,6 +545,7 @@
               <a:rPr lang="zh-CN" altLang="en-US" smtClean="0"/>
               <a:t>第三级</a:t>
             </a:r>
+            <a:endParaRPr lang="zh-CN" altLang="en-US" smtClean="0"/>
           </a:p>
           <a:p>
             <a:pPr lvl="3"/>
@@ -557,6 +553,7 @@
               <a:rPr lang="zh-CN" altLang="en-US" smtClean="0"/>
               <a:t>第四级</a:t>
             </a:r>
+            <a:endParaRPr lang="zh-CN" altLang="en-US" smtClean="0"/>
           </a:p>
           <a:p>
             <a:pPr lvl="4"/>
@@ -585,7 +582,6 @@
           <a:p>
             <a:fld id="{D997B5FA-0921-464F-AAE1-844C04324D75}" type="datetimeFigureOut">
               <a:rPr lang="zh-CN" altLang="en-US" smtClean="0"/>
-              <a:t>2015/5/5</a:t>
             </a:fld>
             <a:endParaRPr lang="zh-CN" altLang="en-US"/>
           </a:p>
@@ -627,18 +623,12 @@
           <a:p>
             <a:fld id="{565CE74E-AB26-4998-AD42-012C4C1AD076}" type="slidenum">
               <a:rPr lang="zh-CN" altLang="en-US" smtClean="0"/>
-              <a:t>‹#›</a:t>
             </a:fld>
             <a:endParaRPr lang="zh-CN" altLang="en-US"/>
           </a:p>
         </p:txBody>
       </p:sp>
     </p:spTree>
-    <p:extLst>
-      <p:ext uri="{BB962C8B-B14F-4D97-AF65-F5344CB8AC3E}">
-        <p14:creationId xmlns:p14="http://schemas.microsoft.com/office/powerpoint/2010/main" val="4025501431"/>
-      </p:ext>
-    </p:extLst>
   </p:cSld>
   <p:clrMapOvr>
     <a:masterClrMapping/>
@@ -706,6 +696,7 @@
               <a:rPr lang="zh-CN" altLang="en-US" smtClean="0"/>
               <a:t>单击此处编辑母版文本样式</a:t>
             </a:r>
+            <a:endParaRPr lang="zh-CN" altLang="en-US" smtClean="0"/>
           </a:p>
           <a:p>
             <a:pPr lvl="1"/>
@@ -713,6 +704,7 @@
               <a:rPr lang="zh-CN" altLang="en-US" smtClean="0"/>
               <a:t>第二级</a:t>
             </a:r>
+            <a:endParaRPr lang="zh-CN" altLang="en-US" smtClean="0"/>
           </a:p>
           <a:p>
             <a:pPr lvl="2"/>
@@ -720,6 +712,7 @@
               <a:rPr lang="zh-CN" altLang="en-US" smtClean="0"/>
               <a:t>第三级</a:t>
             </a:r>
+            <a:endParaRPr lang="zh-CN" altLang="en-US" smtClean="0"/>
           </a:p>
           <a:p>
             <a:pPr lvl="3"/>
@@ -727,6 +720,7 @@
               <a:rPr lang="zh-CN" altLang="en-US" smtClean="0"/>
               <a:t>第四级</a:t>
             </a:r>
+            <a:endParaRPr lang="zh-CN" altLang="en-US" smtClean="0"/>
           </a:p>
           <a:p>
             <a:pPr lvl="4"/>
@@ -755,7 +749,6 @@
           <a:p>
             <a:fld id="{D997B5FA-0921-464F-AAE1-844C04324D75}" type="datetimeFigureOut">
               <a:rPr lang="zh-CN" altLang="en-US" smtClean="0"/>
-              <a:t>2015/5/5</a:t>
             </a:fld>
             <a:endParaRPr lang="zh-CN" altLang="en-US"/>
           </a:p>
@@ -797,18 +790,12 @@
           <a:p>
             <a:fld id="{565CE74E-AB26-4998-AD42-012C4C1AD076}" type="slidenum">
               <a:rPr lang="zh-CN" altLang="en-US" smtClean="0"/>
-              <a:t>‹#›</a:t>
             </a:fld>
             <a:endParaRPr lang="zh-CN" altLang="en-US"/>
           </a:p>
         </p:txBody>
       </p:sp>
     </p:spTree>
-    <p:extLst>
-      <p:ext uri="{BB962C8B-B14F-4D97-AF65-F5344CB8AC3E}">
-        <p14:creationId xmlns:p14="http://schemas.microsoft.com/office/powerpoint/2010/main" val="598653943"/>
-      </p:ext>
-    </p:extLst>
   </p:cSld>
   <p:clrMapOvr>
     <a:masterClrMapping/>
@@ -981,6 +968,7 @@
               <a:rPr lang="zh-CN" altLang="en-US" smtClean="0"/>
               <a:t>单击此处编辑母版文本样式</a:t>
             </a:r>
+            <a:endParaRPr lang="zh-CN" altLang="en-US" smtClean="0"/>
           </a:p>
         </p:txBody>
       </p:sp>
@@ -1001,7 +989,6 @@
           <a:p>
             <a:fld id="{D997B5FA-0921-464F-AAE1-844C04324D75}" type="datetimeFigureOut">
               <a:rPr lang="zh-CN" altLang="en-US" smtClean="0"/>
-              <a:t>2015/5/5</a:t>
             </a:fld>
             <a:endParaRPr lang="zh-CN" altLang="en-US"/>
           </a:p>
@@ -1043,18 +1030,12 @@
           <a:p>
             <a:fld id="{565CE74E-AB26-4998-AD42-012C4C1AD076}" type="slidenum">
               <a:rPr lang="zh-CN" altLang="en-US" smtClean="0"/>
-              <a:t>‹#›</a:t>
             </a:fld>
             <a:endParaRPr lang="zh-CN" altLang="en-US"/>
           </a:p>
         </p:txBody>
       </p:sp>
     </p:spTree>
-    <p:extLst>
-      <p:ext uri="{BB962C8B-B14F-4D97-AF65-F5344CB8AC3E}">
-        <p14:creationId xmlns:p14="http://schemas.microsoft.com/office/powerpoint/2010/main" val="1612184157"/>
-      </p:ext>
-    </p:extLst>
   </p:cSld>
   <p:clrMapOvr>
     <a:masterClrMapping/>
@@ -1127,6 +1108,7 @@
               <a:rPr lang="zh-CN" altLang="en-US" smtClean="0"/>
               <a:t>单击此处编辑母版文本样式</a:t>
             </a:r>
+            <a:endParaRPr lang="zh-CN" altLang="en-US" smtClean="0"/>
           </a:p>
           <a:p>
             <a:pPr lvl="1"/>
@@ -1134,6 +1116,7 @@
               <a:rPr lang="zh-CN" altLang="en-US" smtClean="0"/>
               <a:t>第二级</a:t>
             </a:r>
+            <a:endParaRPr lang="zh-CN" altLang="en-US" smtClean="0"/>
           </a:p>
           <a:p>
             <a:pPr lvl="2"/>
@@ -1141,6 +1124,7 @@
               <a:rPr lang="zh-CN" altLang="en-US" smtClean="0"/>
               <a:t>第三级</a:t>
             </a:r>
+            <a:endParaRPr lang="zh-CN" altLang="en-US" smtClean="0"/>
           </a:p>
           <a:p>
             <a:pPr lvl="3"/>
@@ -1148,6 +1132,7 @@
               <a:rPr lang="zh-CN" altLang="en-US" smtClean="0"/>
               <a:t>第四级</a:t>
             </a:r>
+            <a:endParaRPr lang="zh-CN" altLang="en-US" smtClean="0"/>
           </a:p>
           <a:p>
             <a:pPr lvl="4"/>
@@ -1184,6 +1169,7 @@
               <a:rPr lang="zh-CN" altLang="en-US" smtClean="0"/>
               <a:t>单击此处编辑母版文本样式</a:t>
             </a:r>
+            <a:endParaRPr lang="zh-CN" altLang="en-US" smtClean="0"/>
           </a:p>
           <a:p>
             <a:pPr lvl="1"/>
@@ -1191,6 +1177,7 @@
               <a:rPr lang="zh-CN" altLang="en-US" smtClean="0"/>
               <a:t>第二级</a:t>
             </a:r>
+            <a:endParaRPr lang="zh-CN" altLang="en-US" smtClean="0"/>
           </a:p>
           <a:p>
             <a:pPr lvl="2"/>
@@ -1198,6 +1185,7 @@
               <a:rPr lang="zh-CN" altLang="en-US" smtClean="0"/>
               <a:t>第三级</a:t>
             </a:r>
+            <a:endParaRPr lang="zh-CN" altLang="en-US" smtClean="0"/>
           </a:p>
           <a:p>
             <a:pPr lvl="3"/>
@@ -1205,6 +1193,7 @@
               <a:rPr lang="zh-CN" altLang="en-US" smtClean="0"/>
               <a:t>第四级</a:t>
             </a:r>
+            <a:endParaRPr lang="zh-CN" altLang="en-US" smtClean="0"/>
           </a:p>
           <a:p>
             <a:pPr lvl="4"/>
@@ -1233,7 +1222,6 @@
           <a:p>
             <a:fld id="{D997B5FA-0921-464F-AAE1-844C04324D75}" type="datetimeFigureOut">
               <a:rPr lang="zh-CN" altLang="en-US" smtClean="0"/>
-              <a:t>2015/5/5</a:t>
             </a:fld>
             <a:endParaRPr lang="zh-CN" altLang="en-US"/>
           </a:p>
@@ -1275,18 +1263,12 @@
           <a:p>
             <a:fld id="{565CE74E-AB26-4998-AD42-012C4C1AD076}" type="slidenum">
               <a:rPr lang="zh-CN" altLang="en-US" smtClean="0"/>
-              <a:t>‹#›</a:t>
             </a:fld>
             <a:endParaRPr lang="zh-CN" altLang="en-US"/>
           </a:p>
         </p:txBody>
       </p:sp>
     </p:spTree>
-    <p:extLst>
-      <p:ext uri="{BB962C8B-B14F-4D97-AF65-F5344CB8AC3E}">
-        <p14:creationId xmlns:p14="http://schemas.microsoft.com/office/powerpoint/2010/main" val="2905825717"/>
-      </p:ext>
-    </p:extLst>
   </p:cSld>
   <p:clrMapOvr>
     <a:masterClrMapping/>
@@ -1401,6 +1383,7 @@
               <a:rPr lang="zh-CN" altLang="en-US" smtClean="0"/>
               <a:t>单击此处编辑母版文本样式</a:t>
             </a:r>
+            <a:endParaRPr lang="zh-CN" altLang="en-US" smtClean="0"/>
           </a:p>
         </p:txBody>
       </p:sp>
@@ -1429,6 +1412,7 @@
               <a:rPr lang="zh-CN" altLang="en-US" smtClean="0"/>
               <a:t>单击此处编辑母版文本样式</a:t>
             </a:r>
+            <a:endParaRPr lang="zh-CN" altLang="en-US" smtClean="0"/>
           </a:p>
           <a:p>
             <a:pPr lvl="1"/>
@@ -1436,6 +1420,7 @@
               <a:rPr lang="zh-CN" altLang="en-US" smtClean="0"/>
               <a:t>第二级</a:t>
             </a:r>
+            <a:endParaRPr lang="zh-CN" altLang="en-US" smtClean="0"/>
           </a:p>
           <a:p>
             <a:pPr lvl="2"/>
@@ -1443,6 +1428,7 @@
               <a:rPr lang="zh-CN" altLang="en-US" smtClean="0"/>
               <a:t>第三级</a:t>
             </a:r>
+            <a:endParaRPr lang="zh-CN" altLang="en-US" smtClean="0"/>
           </a:p>
           <a:p>
             <a:pPr lvl="3"/>
@@ -1450,6 +1436,7 @@
               <a:rPr lang="zh-CN" altLang="en-US" smtClean="0"/>
               <a:t>第四级</a:t>
             </a:r>
+            <a:endParaRPr lang="zh-CN" altLang="en-US" smtClean="0"/>
           </a:p>
           <a:p>
             <a:pPr lvl="4"/>
@@ -1523,6 +1510,7 @@
               <a:rPr lang="zh-CN" altLang="en-US" smtClean="0"/>
               <a:t>单击此处编辑母版文本样式</a:t>
             </a:r>
+            <a:endParaRPr lang="zh-CN" altLang="en-US" smtClean="0"/>
           </a:p>
         </p:txBody>
       </p:sp>
@@ -1551,6 +1539,7 @@
               <a:rPr lang="zh-CN" altLang="en-US" smtClean="0"/>
               <a:t>单击此处编辑母版文本样式</a:t>
             </a:r>
+            <a:endParaRPr lang="zh-CN" altLang="en-US" smtClean="0"/>
           </a:p>
           <a:p>
             <a:pPr lvl="1"/>
@@ -1558,6 +1547,7 @@
               <a:rPr lang="zh-CN" altLang="en-US" smtClean="0"/>
               <a:t>第二级</a:t>
             </a:r>
+            <a:endParaRPr lang="zh-CN" altLang="en-US" smtClean="0"/>
           </a:p>
           <a:p>
             <a:pPr lvl="2"/>
@@ -1565,6 +1555,7 @@
               <a:rPr lang="zh-CN" altLang="en-US" smtClean="0"/>
               <a:t>第三级</a:t>
             </a:r>
+            <a:endParaRPr lang="zh-CN" altLang="en-US" smtClean="0"/>
           </a:p>
           <a:p>
             <a:pPr lvl="3"/>
@@ -1572,6 +1563,7 @@
               <a:rPr lang="zh-CN" altLang="en-US" smtClean="0"/>
               <a:t>第四级</a:t>
             </a:r>
+            <a:endParaRPr lang="zh-CN" altLang="en-US" smtClean="0"/>
           </a:p>
           <a:p>
             <a:pPr lvl="4"/>
@@ -1600,7 +1592,6 @@
           <a:p>
             <a:fld id="{D997B5FA-0921-464F-AAE1-844C04324D75}" type="datetimeFigureOut">
               <a:rPr lang="zh-CN" altLang="en-US" smtClean="0"/>
-              <a:t>2015/5/5</a:t>
             </a:fld>
             <a:endParaRPr lang="zh-CN" altLang="en-US"/>
           </a:p>
@@ -1642,18 +1633,12 @@
           <a:p>
             <a:fld id="{565CE74E-AB26-4998-AD42-012C4C1AD076}" type="slidenum">
               <a:rPr lang="zh-CN" altLang="en-US" smtClean="0"/>
-              <a:t>‹#›</a:t>
             </a:fld>
             <a:endParaRPr lang="zh-CN" altLang="en-US"/>
           </a:p>
         </p:txBody>
       </p:sp>
     </p:spTree>
-    <p:extLst>
-      <p:ext uri="{BB962C8B-B14F-4D97-AF65-F5344CB8AC3E}">
-        <p14:creationId xmlns:p14="http://schemas.microsoft.com/office/powerpoint/2010/main" val="168117047"/>
-      </p:ext>
-    </p:extLst>
   </p:cSld>
   <p:clrMapOvr>
     <a:masterClrMapping/>
@@ -1718,7 +1703,6 @@
           <a:p>
             <a:fld id="{D997B5FA-0921-464F-AAE1-844C04324D75}" type="datetimeFigureOut">
               <a:rPr lang="zh-CN" altLang="en-US" smtClean="0"/>
-              <a:t>2015/5/5</a:t>
             </a:fld>
             <a:endParaRPr lang="zh-CN" altLang="en-US"/>
           </a:p>
@@ -1760,18 +1744,12 @@
           <a:p>
             <a:fld id="{565CE74E-AB26-4998-AD42-012C4C1AD076}" type="slidenum">
               <a:rPr lang="zh-CN" altLang="en-US" smtClean="0"/>
-              <a:t>‹#›</a:t>
             </a:fld>
             <a:endParaRPr lang="zh-CN" altLang="en-US"/>
           </a:p>
         </p:txBody>
       </p:sp>
     </p:spTree>
-    <p:extLst>
-      <p:ext uri="{BB962C8B-B14F-4D97-AF65-F5344CB8AC3E}">
-        <p14:creationId xmlns:p14="http://schemas.microsoft.com/office/powerpoint/2010/main" val="2764406021"/>
-      </p:ext>
-    </p:extLst>
   </p:cSld>
   <p:clrMapOvr>
     <a:masterClrMapping/>
@@ -1813,7 +1791,6 @@
           <a:p>
             <a:fld id="{D997B5FA-0921-464F-AAE1-844C04324D75}" type="datetimeFigureOut">
               <a:rPr lang="zh-CN" altLang="en-US" smtClean="0"/>
-              <a:t>2015/5/5</a:t>
             </a:fld>
             <a:endParaRPr lang="zh-CN" altLang="en-US"/>
           </a:p>
@@ -1855,18 +1832,12 @@
           <a:p>
             <a:fld id="{565CE74E-AB26-4998-AD42-012C4C1AD076}" type="slidenum">
               <a:rPr lang="zh-CN" altLang="en-US" smtClean="0"/>
-              <a:t>‹#›</a:t>
             </a:fld>
             <a:endParaRPr lang="zh-CN" altLang="en-US"/>
           </a:p>
         </p:txBody>
       </p:sp>
     </p:spTree>
-    <p:extLst>
-      <p:ext uri="{BB962C8B-B14F-4D97-AF65-F5344CB8AC3E}">
-        <p14:creationId xmlns:p14="http://schemas.microsoft.com/office/powerpoint/2010/main" val="276523006"/>
-      </p:ext>
-    </p:extLst>
   </p:cSld>
   <p:clrMapOvr>
     <a:masterClrMapping/>
@@ -1976,6 +1947,7 @@
               <a:rPr lang="zh-CN" altLang="en-US" smtClean="0"/>
               <a:t>单击此处编辑母版文本样式</a:t>
             </a:r>
+            <a:endParaRPr lang="zh-CN" altLang="en-US" smtClean="0"/>
           </a:p>
           <a:p>
             <a:pPr lvl="1"/>
@@ -1983,6 +1955,7 @@
               <a:rPr lang="zh-CN" altLang="en-US" smtClean="0"/>
               <a:t>第二级</a:t>
             </a:r>
+            <a:endParaRPr lang="zh-CN" altLang="en-US" smtClean="0"/>
           </a:p>
           <a:p>
             <a:pPr lvl="2"/>
@@ -1990,6 +1963,7 @@
               <a:rPr lang="zh-CN" altLang="en-US" smtClean="0"/>
               <a:t>第三级</a:t>
             </a:r>
+            <a:endParaRPr lang="zh-CN" altLang="en-US" smtClean="0"/>
           </a:p>
           <a:p>
             <a:pPr lvl="3"/>
@@ -1997,6 +1971,7 @@
               <a:rPr lang="zh-CN" altLang="en-US" smtClean="0"/>
               <a:t>第四级</a:t>
             </a:r>
+            <a:endParaRPr lang="zh-CN" altLang="en-US" smtClean="0"/>
           </a:p>
           <a:p>
             <a:pPr lvl="4"/>
@@ -2070,6 +2045,7 @@
               <a:rPr lang="zh-CN" altLang="en-US" smtClean="0"/>
               <a:t>单击此处编辑母版文本样式</a:t>
             </a:r>
+            <a:endParaRPr lang="zh-CN" altLang="en-US" smtClean="0"/>
           </a:p>
         </p:txBody>
       </p:sp>
@@ -2090,7 +2066,6 @@
           <a:p>
             <a:fld id="{D997B5FA-0921-464F-AAE1-844C04324D75}" type="datetimeFigureOut">
               <a:rPr lang="zh-CN" altLang="en-US" smtClean="0"/>
-              <a:t>2015/5/5</a:t>
             </a:fld>
             <a:endParaRPr lang="zh-CN" altLang="en-US"/>
           </a:p>
@@ -2132,18 +2107,12 @@
           <a:p>
             <a:fld id="{565CE74E-AB26-4998-AD42-012C4C1AD076}" type="slidenum">
               <a:rPr lang="zh-CN" altLang="en-US" smtClean="0"/>
-              <a:t>‹#›</a:t>
             </a:fld>
             <a:endParaRPr lang="zh-CN" altLang="en-US"/>
           </a:p>
         </p:txBody>
       </p:sp>
     </p:spTree>
-    <p:extLst>
-      <p:ext uri="{BB962C8B-B14F-4D97-AF65-F5344CB8AC3E}">
-        <p14:creationId xmlns:p14="http://schemas.microsoft.com/office/powerpoint/2010/main" val="694758376"/>
-      </p:ext>
-    </p:extLst>
   </p:cSld>
   <p:clrMapOvr>
     <a:masterClrMapping/>
@@ -2323,6 +2292,7 @@
               <a:rPr lang="zh-CN" altLang="en-US" smtClean="0"/>
               <a:t>单击此处编辑母版文本样式</a:t>
             </a:r>
+            <a:endParaRPr lang="zh-CN" altLang="en-US" smtClean="0"/>
           </a:p>
         </p:txBody>
       </p:sp>
@@ -2343,7 +2313,6 @@
           <a:p>
             <a:fld id="{D997B5FA-0921-464F-AAE1-844C04324D75}" type="datetimeFigureOut">
               <a:rPr lang="zh-CN" altLang="en-US" smtClean="0"/>
-              <a:t>2015/5/5</a:t>
             </a:fld>
             <a:endParaRPr lang="zh-CN" altLang="en-US"/>
           </a:p>
@@ -2385,18 +2354,12 @@
           <a:p>
             <a:fld id="{565CE74E-AB26-4998-AD42-012C4C1AD076}" type="slidenum">
               <a:rPr lang="zh-CN" altLang="en-US" smtClean="0"/>
-              <a:t>‹#›</a:t>
             </a:fld>
             <a:endParaRPr lang="zh-CN" altLang="en-US"/>
           </a:p>
         </p:txBody>
       </p:sp>
     </p:spTree>
-    <p:extLst>
-      <p:ext uri="{BB962C8B-B14F-4D97-AF65-F5344CB8AC3E}">
-        <p14:creationId xmlns:p14="http://schemas.microsoft.com/office/powerpoint/2010/main" val="477805659"/>
-      </p:ext>
-    </p:extLst>
   </p:cSld>
   <p:clrMapOvr>
     <a:masterClrMapping/>
@@ -2489,6 +2452,7 @@
               <a:rPr lang="zh-CN" altLang="en-US" smtClean="0"/>
               <a:t>单击此处编辑母版文本样式</a:t>
             </a:r>
+            <a:endParaRPr lang="zh-CN" altLang="en-US" smtClean="0"/>
           </a:p>
           <a:p>
             <a:pPr lvl="1"/>
@@ -2496,6 +2460,7 @@
               <a:rPr lang="zh-CN" altLang="en-US" smtClean="0"/>
               <a:t>第二级</a:t>
             </a:r>
+            <a:endParaRPr lang="zh-CN" altLang="en-US" smtClean="0"/>
           </a:p>
           <a:p>
             <a:pPr lvl="2"/>
@@ -2503,6 +2468,7 @@
               <a:rPr lang="zh-CN" altLang="en-US" smtClean="0"/>
               <a:t>第三级</a:t>
             </a:r>
+            <a:endParaRPr lang="zh-CN" altLang="en-US" smtClean="0"/>
           </a:p>
           <a:p>
             <a:pPr lvl="3"/>
@@ -2510,6 +2476,7 @@
               <a:rPr lang="zh-CN" altLang="en-US" smtClean="0"/>
               <a:t>第四级</a:t>
             </a:r>
+            <a:endParaRPr lang="zh-CN" altLang="en-US" smtClean="0"/>
           </a:p>
           <a:p>
             <a:pPr lvl="4"/>
@@ -2556,7 +2523,6 @@
           <a:p>
             <a:fld id="{D997B5FA-0921-464F-AAE1-844C04324D75}" type="datetimeFigureOut">
               <a:rPr lang="zh-CN" altLang="en-US" smtClean="0"/>
-              <a:t>2015/5/5</a:t>
             </a:fld>
             <a:endParaRPr lang="zh-CN" altLang="en-US"/>
           </a:p>
@@ -2634,18 +2600,12 @@
           <a:p>
             <a:fld id="{565CE74E-AB26-4998-AD42-012C4C1AD076}" type="slidenum">
               <a:rPr lang="zh-CN" altLang="en-US" smtClean="0"/>
-              <a:t>‹#›</a:t>
             </a:fld>
             <a:endParaRPr lang="zh-CN" altLang="en-US"/>
           </a:p>
         </p:txBody>
       </p:sp>
     </p:spTree>
-    <p:extLst>
-      <p:ext uri="{BB962C8B-B14F-4D97-AF65-F5344CB8AC3E}">
-        <p14:creationId xmlns:p14="http://schemas.microsoft.com/office/powerpoint/2010/main" val="2003094035"/>
-      </p:ext>
-    </p:extLst>
   </p:cSld>
   <p:clrMap bg1="lt1" tx1="dk1" bg2="lt2" tx2="dk2" accent1="accent1" accent2="accent2" accent3="accent3" accent4="accent4" accent5="accent5" accent6="accent6" hlink="hlink" folHlink="folHlink"/>
   <p:sldLayoutIdLst>
@@ -2944,6 +2904,1691 @@
 </p:sldMaster>
 </file>
 
+<file path=ppt/slides/slide1.xml><?xml version="1.0" encoding="utf-8"?>
+<p:sld xmlns:a="http://schemas.openxmlformats.org/drawingml/2006/main" xmlns:r="http://schemas.openxmlformats.org/officeDocument/2006/relationships" xmlns:p="http://schemas.openxmlformats.org/presentationml/2006/main">
+  <p:cSld>
+    <p:bg>
+      <p:bgPr>
+        <a:pattFill prst="pct5">
+          <a:fgClr>
+            <a:schemeClr val="accent1"/>
+          </a:fgClr>
+          <a:bgClr>
+            <a:schemeClr val="bg1"/>
+          </a:bgClr>
+        </a:pattFill>
+        <a:effectLst/>
+      </p:bgPr>
+    </p:bg>
+    <p:spTree>
+      <p:nvGrpSpPr>
+        <p:cNvPr id="1" name=""/>
+        <p:cNvGrpSpPr/>
+        <p:nvPr/>
+      </p:nvGrpSpPr>
+      <p:grpSpPr/>
+      <p:sp>
+        <p:nvSpPr>
+          <p:cNvPr id="4" name="右箭头 3"/>
+          <p:cNvSpPr/>
+          <p:nvPr/>
+        </p:nvSpPr>
+        <p:spPr>
+          <a:xfrm>
+            <a:off x="1988185" y="2454275"/>
+            <a:ext cx="1079500" cy="314960"/>
+          </a:xfrm>
+          <a:prstGeom prst="rightArrow">
+            <a:avLst/>
+          </a:prstGeom>
+          <a:gradFill>
+            <a:gsLst>
+              <a:gs pos="0">
+                <a:srgbClr val="007BD3"/>
+              </a:gs>
+              <a:gs pos="100000">
+                <a:srgbClr val="034373"/>
+              </a:gs>
+            </a:gsLst>
+            <a:lin ang="5400000" scaled="0"/>
+          </a:gradFill>
+        </p:spPr>
+        <p:style>
+          <a:lnRef idx="2">
+            <a:schemeClr val="accent1">
+              <a:shade val="50000"/>
+            </a:schemeClr>
+          </a:lnRef>
+          <a:fillRef idx="1">
+            <a:schemeClr val="accent1"/>
+          </a:fillRef>
+          <a:effectRef idx="0">
+            <a:schemeClr val="accent1"/>
+          </a:effectRef>
+          <a:fontRef idx="minor">
+            <a:schemeClr val="lt1"/>
+          </a:fontRef>
+        </p:style>
+        <p:txBody>
+          <a:bodyPr rtlCol="0" anchor="ctr"/>
+          <a:p>
+            <a:pPr algn="ctr"/>
+            <a:endParaRPr lang="zh-CN" altLang="en-US"/>
+          </a:p>
+        </p:txBody>
+      </p:sp>
+      <p:sp>
+        <p:nvSpPr>
+          <p:cNvPr id="5" name="文本框 4"/>
+          <p:cNvSpPr txBox="1"/>
+          <p:nvPr/>
+        </p:nvSpPr>
+        <p:spPr>
+          <a:xfrm>
+            <a:off x="1946910" y="2473960"/>
+            <a:ext cx="973455" cy="275590"/>
+          </a:xfrm>
+          <a:prstGeom prst="rect">
+            <a:avLst/>
+          </a:prstGeom>
+          <a:noFill/>
+        </p:spPr>
+        <p:txBody>
+          <a:bodyPr wrap="square" rtlCol="0">
+            <a:spAutoFit/>
+          </a:bodyPr>
+          <a:p>
+            <a:r>
+              <a:rPr lang="en-US" altLang="zh-CN" sz="1200"/>
+              <a:t>1946~1956</a:t>
+            </a:r>
+            <a:endParaRPr lang="en-US" altLang="zh-CN" sz="1200"/>
+          </a:p>
+        </p:txBody>
+      </p:sp>
+      <p:sp>
+        <p:nvSpPr>
+          <p:cNvPr id="6" name="右箭头 5"/>
+          <p:cNvSpPr/>
+          <p:nvPr/>
+        </p:nvSpPr>
+        <p:spPr>
+          <a:xfrm>
+            <a:off x="3154045" y="2451100"/>
+            <a:ext cx="1079500" cy="314960"/>
+          </a:xfrm>
+          <a:prstGeom prst="rightArrow">
+            <a:avLst/>
+          </a:prstGeom>
+          <a:gradFill>
+            <a:gsLst>
+              <a:gs pos="0">
+                <a:srgbClr val="FECF40"/>
+              </a:gs>
+              <a:gs pos="100000">
+                <a:srgbClr val="846C21"/>
+              </a:gs>
+            </a:gsLst>
+            <a:lin ang="5400000" scaled="0"/>
+          </a:gradFill>
+        </p:spPr>
+        <p:style>
+          <a:lnRef idx="2">
+            <a:schemeClr val="accent1">
+              <a:shade val="50000"/>
+            </a:schemeClr>
+          </a:lnRef>
+          <a:fillRef idx="1">
+            <a:schemeClr val="accent1"/>
+          </a:fillRef>
+          <a:effectRef idx="0">
+            <a:schemeClr val="accent1"/>
+          </a:effectRef>
+          <a:fontRef idx="minor">
+            <a:schemeClr val="lt1"/>
+          </a:fontRef>
+        </p:style>
+        <p:txBody>
+          <a:bodyPr rtlCol="0" anchor="ctr"/>
+          <a:p>
+            <a:pPr algn="ctr"/>
+            <a:endParaRPr lang="zh-CN" altLang="en-US"/>
+          </a:p>
+        </p:txBody>
+      </p:sp>
+      <p:sp>
+        <p:nvSpPr>
+          <p:cNvPr id="7" name="文本框 6"/>
+          <p:cNvSpPr txBox="1"/>
+          <p:nvPr/>
+        </p:nvSpPr>
+        <p:spPr>
+          <a:xfrm>
+            <a:off x="3112770" y="2470785"/>
+            <a:ext cx="973455" cy="275590"/>
+          </a:xfrm>
+          <a:prstGeom prst="rect">
+            <a:avLst/>
+          </a:prstGeom>
+          <a:noFill/>
+        </p:spPr>
+        <p:txBody>
+          <a:bodyPr wrap="square" rtlCol="0">
+            <a:spAutoFit/>
+          </a:bodyPr>
+          <a:p>
+            <a:r>
+              <a:rPr lang="en-US" altLang="zh-CN" sz="1200"/>
+              <a:t>1956~1964</a:t>
+            </a:r>
+            <a:endParaRPr lang="en-US" altLang="zh-CN" sz="1200"/>
+          </a:p>
+        </p:txBody>
+      </p:sp>
+      <p:sp>
+        <p:nvSpPr>
+          <p:cNvPr id="10" name="文本框 9"/>
+          <p:cNvSpPr txBox="1"/>
+          <p:nvPr/>
+        </p:nvSpPr>
+        <p:spPr>
+          <a:xfrm>
+            <a:off x="875030" y="3175635"/>
+            <a:ext cx="894080" cy="306705"/>
+          </a:xfrm>
+          <a:prstGeom prst="rect">
+            <a:avLst/>
+          </a:prstGeom>
+          <a:noFill/>
+        </p:spPr>
+        <p:txBody>
+          <a:bodyPr wrap="none" rtlCol="0">
+            <a:spAutoFit/>
+          </a:bodyPr>
+          <a:p>
+            <a:r>
+              <a:rPr lang="zh-CN" altLang="en-US" sz="1400"/>
+              <a:t>算盘时期</a:t>
+            </a:r>
+            <a:endParaRPr lang="zh-CN" altLang="en-US" sz="1400"/>
+          </a:p>
+        </p:txBody>
+      </p:sp>
+      <p:sp>
+        <p:nvSpPr>
+          <p:cNvPr id="11" name="文本框 10"/>
+          <p:cNvSpPr txBox="1"/>
+          <p:nvPr/>
+        </p:nvSpPr>
+        <p:spPr>
+          <a:xfrm>
+            <a:off x="1043305" y="4735195"/>
+            <a:ext cx="619125" cy="737235"/>
+          </a:xfrm>
+          <a:prstGeom prst="rect">
+            <a:avLst/>
+          </a:prstGeom>
+          <a:noFill/>
+        </p:spPr>
+        <p:txBody>
+          <a:bodyPr wrap="square" rtlCol="0">
+            <a:spAutoFit/>
+          </a:bodyPr>
+          <a:p>
+            <a:r>
+              <a:rPr lang="zh-CN" altLang="en-US" sz="1400"/>
+              <a:t>机械式计算机</a:t>
+            </a:r>
+            <a:endParaRPr lang="zh-CN" altLang="en-US" sz="1400"/>
+          </a:p>
+        </p:txBody>
+      </p:sp>
+      <p:sp>
+        <p:nvSpPr>
+          <p:cNvPr id="12" name="文本框 11"/>
+          <p:cNvSpPr txBox="1"/>
+          <p:nvPr/>
+        </p:nvSpPr>
+        <p:spPr>
+          <a:xfrm>
+            <a:off x="2635885" y="3175635"/>
+            <a:ext cx="894080" cy="306705"/>
+          </a:xfrm>
+          <a:prstGeom prst="rect">
+            <a:avLst/>
+          </a:prstGeom>
+          <a:noFill/>
+        </p:spPr>
+        <p:txBody>
+          <a:bodyPr wrap="none" rtlCol="0">
+            <a:spAutoFit/>
+          </a:bodyPr>
+          <a:p>
+            <a:r>
+              <a:rPr lang="zh-CN" altLang="en-US" sz="1400"/>
+              <a:t>开关时期</a:t>
+            </a:r>
+            <a:endParaRPr lang="zh-CN" altLang="en-US" sz="1400"/>
+          </a:p>
+        </p:txBody>
+      </p:sp>
+      <p:sp>
+        <p:nvSpPr>
+          <p:cNvPr id="14" name="椭圆形标注 13"/>
+          <p:cNvSpPr/>
+          <p:nvPr/>
+        </p:nvSpPr>
+        <p:spPr>
+          <a:xfrm>
+            <a:off x="1500505" y="1543685"/>
+            <a:ext cx="1155065" cy="539115"/>
+          </a:xfrm>
+          <a:prstGeom prst="wedgeEllipseCallout">
+            <a:avLst>
+              <a:gd name="adj1" fmla="val 54288"/>
+              <a:gd name="adj2" fmla="val 125971"/>
+            </a:avLst>
+          </a:prstGeom>
+          <a:gradFill>
+            <a:gsLst>
+              <a:gs pos="0">
+                <a:srgbClr val="007BD3"/>
+              </a:gs>
+              <a:gs pos="100000">
+                <a:srgbClr val="034373"/>
+              </a:gs>
+            </a:gsLst>
+            <a:lin ang="5400000" scaled="0"/>
+          </a:gradFill>
+        </p:spPr>
+        <p:style>
+          <a:lnRef idx="2">
+            <a:schemeClr val="accent1">
+              <a:shade val="50000"/>
+            </a:schemeClr>
+          </a:lnRef>
+          <a:fillRef idx="1">
+            <a:schemeClr val="accent1"/>
+          </a:fillRef>
+          <a:effectRef idx="0">
+            <a:schemeClr val="accent1"/>
+          </a:effectRef>
+          <a:fontRef idx="minor">
+            <a:schemeClr val="lt1"/>
+          </a:fontRef>
+        </p:style>
+        <p:txBody>
+          <a:bodyPr rtlCol="0" anchor="ctr"/>
+          <a:p>
+            <a:pPr algn="ctr"/>
+            <a:r>
+              <a:rPr lang="zh-CN" altLang="en-US" sz="1400"/>
+              <a:t>电子管计算机</a:t>
+            </a:r>
+            <a:endParaRPr lang="zh-CN" altLang="en-US" sz="1400"/>
+          </a:p>
+        </p:txBody>
+      </p:sp>
+      <p:sp>
+        <p:nvSpPr>
+          <p:cNvPr id="15" name="椭圆形标注 14"/>
+          <p:cNvSpPr/>
+          <p:nvPr/>
+        </p:nvSpPr>
+        <p:spPr>
+          <a:xfrm>
+            <a:off x="2762250" y="1543685"/>
+            <a:ext cx="1155065" cy="539115"/>
+          </a:xfrm>
+          <a:prstGeom prst="wedgeEllipseCallout">
+            <a:avLst>
+              <a:gd name="adj1" fmla="val 27130"/>
+              <a:gd name="adj2" fmla="val 125736"/>
+            </a:avLst>
+          </a:prstGeom>
+          <a:gradFill>
+            <a:gsLst>
+              <a:gs pos="0">
+                <a:srgbClr val="FECF40"/>
+              </a:gs>
+              <a:gs pos="100000">
+                <a:srgbClr val="846C21"/>
+              </a:gs>
+            </a:gsLst>
+            <a:lin ang="5400000" scaled="0"/>
+          </a:gradFill>
+        </p:spPr>
+        <p:style>
+          <a:lnRef idx="2">
+            <a:schemeClr val="accent1">
+              <a:shade val="50000"/>
+            </a:schemeClr>
+          </a:lnRef>
+          <a:fillRef idx="1">
+            <a:schemeClr val="accent1"/>
+          </a:fillRef>
+          <a:effectRef idx="0">
+            <a:schemeClr val="accent1"/>
+          </a:effectRef>
+          <a:fontRef idx="minor">
+            <a:schemeClr val="lt1"/>
+          </a:fontRef>
+        </p:style>
+        <p:txBody>
+          <a:bodyPr rtlCol="0" anchor="ctr"/>
+          <a:p>
+            <a:pPr algn="ctr"/>
+            <a:r>
+              <a:rPr lang="zh-CN" altLang="en-US" sz="1400">
+                <a:ln/>
+                <a:solidFill>
+                  <a:schemeClr val="accent1"/>
+                </a:solidFill>
+                <a:effectLst>
+                  <a:outerShdw blurRad="38100" dist="25400" dir="5400000" algn="ctr" rotWithShape="0">
+                    <a:srgbClr val="6E747A">
+                      <a:alpha val="43000"/>
+                    </a:srgbClr>
+                  </a:outerShdw>
+                </a:effectLst>
+              </a:rPr>
+              <a:t>晶体管计算机</a:t>
+            </a:r>
+            <a:endParaRPr lang="zh-CN" altLang="en-US" sz="1400">
+              <a:ln/>
+              <a:solidFill>
+                <a:schemeClr val="accent1"/>
+              </a:solidFill>
+              <a:effectLst>
+                <a:outerShdw blurRad="38100" dist="25400" dir="5400000" algn="ctr" rotWithShape="0">
+                  <a:srgbClr val="6E747A">
+                    <a:alpha val="43000"/>
+                  </a:srgbClr>
+                </a:outerShdw>
+              </a:effectLst>
+            </a:endParaRPr>
+          </a:p>
+        </p:txBody>
+      </p:sp>
+      <p:sp>
+        <p:nvSpPr>
+          <p:cNvPr id="18" name="右箭头 17"/>
+          <p:cNvSpPr/>
+          <p:nvPr/>
+        </p:nvSpPr>
+        <p:spPr>
+          <a:xfrm>
+            <a:off x="4234180" y="2454275"/>
+            <a:ext cx="2322830" cy="314960"/>
+          </a:xfrm>
+          <a:prstGeom prst="rightArrow">
+            <a:avLst/>
+          </a:prstGeom>
+          <a:gradFill>
+            <a:gsLst>
+              <a:gs pos="0">
+                <a:srgbClr val="FBFB11"/>
+              </a:gs>
+              <a:gs pos="100000">
+                <a:srgbClr val="838309"/>
+              </a:gs>
+            </a:gsLst>
+            <a:lin ang="5400000" scaled="0"/>
+          </a:gradFill>
+        </p:spPr>
+        <p:style>
+          <a:lnRef idx="2">
+            <a:schemeClr val="accent1">
+              <a:shade val="50000"/>
+            </a:schemeClr>
+          </a:lnRef>
+          <a:fillRef idx="1">
+            <a:schemeClr val="accent1"/>
+          </a:fillRef>
+          <a:effectRef idx="0">
+            <a:schemeClr val="accent1"/>
+          </a:effectRef>
+          <a:fontRef idx="minor">
+            <a:schemeClr val="lt1"/>
+          </a:fontRef>
+        </p:style>
+        <p:txBody>
+          <a:bodyPr rtlCol="0" anchor="ctr"/>
+          <a:p>
+            <a:pPr algn="ctr"/>
+            <a:endParaRPr lang="zh-CN" altLang="en-US"/>
+          </a:p>
+        </p:txBody>
+      </p:sp>
+      <p:sp>
+        <p:nvSpPr>
+          <p:cNvPr id="19" name="文本框 18"/>
+          <p:cNvSpPr txBox="1"/>
+          <p:nvPr/>
+        </p:nvSpPr>
+        <p:spPr>
+          <a:xfrm>
+            <a:off x="4785995" y="2473960"/>
+            <a:ext cx="973455" cy="275590"/>
+          </a:xfrm>
+          <a:prstGeom prst="rect">
+            <a:avLst/>
+          </a:prstGeom>
+          <a:noFill/>
+        </p:spPr>
+        <p:txBody>
+          <a:bodyPr wrap="square" rtlCol="0">
+            <a:spAutoFit/>
+          </a:bodyPr>
+          <a:p>
+            <a:r>
+              <a:rPr lang="en-US" altLang="zh-CN" sz="1200"/>
+              <a:t>1964~1970</a:t>
+            </a:r>
+            <a:endParaRPr lang="en-US" altLang="zh-CN" sz="1200"/>
+          </a:p>
+        </p:txBody>
+      </p:sp>
+      <p:sp>
+        <p:nvSpPr>
+          <p:cNvPr id="21" name="椭圆形标注 20"/>
+          <p:cNvSpPr/>
+          <p:nvPr/>
+        </p:nvSpPr>
+        <p:spPr>
+          <a:xfrm>
+            <a:off x="4038600" y="1543685"/>
+            <a:ext cx="2330450" cy="600710"/>
+          </a:xfrm>
+          <a:prstGeom prst="wedgeEllipseCallout">
+            <a:avLst>
+              <a:gd name="adj1" fmla="val 34790"/>
+              <a:gd name="adj2" fmla="val 114664"/>
+            </a:avLst>
+          </a:prstGeom>
+          <a:gradFill>
+            <a:gsLst>
+              <a:gs pos="0">
+                <a:srgbClr val="FBFB11"/>
+              </a:gs>
+              <a:gs pos="100000">
+                <a:srgbClr val="838309"/>
+              </a:gs>
+            </a:gsLst>
+            <a:lin ang="5400000" scaled="0"/>
+          </a:gradFill>
+        </p:spPr>
+        <p:style>
+          <a:lnRef idx="2">
+            <a:schemeClr val="accent1">
+              <a:shade val="50000"/>
+            </a:schemeClr>
+          </a:lnRef>
+          <a:fillRef idx="1">
+            <a:schemeClr val="accent1"/>
+          </a:fillRef>
+          <a:effectRef idx="0">
+            <a:schemeClr val="accent1"/>
+          </a:effectRef>
+          <a:fontRef idx="minor">
+            <a:schemeClr val="lt1"/>
+          </a:fontRef>
+        </p:style>
+        <p:txBody>
+          <a:bodyPr rtlCol="0" anchor="ctr"/>
+          <a:p>
+            <a:pPr algn="ctr"/>
+            <a:r>
+              <a:rPr lang="zh-CN" altLang="en-US" sz="1400">
+                <a:solidFill>
+                  <a:schemeClr val="tx1"/>
+                </a:solidFill>
+                <a:effectLst>
+                  <a:outerShdw blurRad="38100" dist="19050" dir="2700000" algn="tl" rotWithShape="0">
+                    <a:schemeClr val="dk1">
+                      <a:alpha val="40000"/>
+                    </a:schemeClr>
+                  </a:outerShdw>
+                </a:effectLst>
+                <a:sym typeface="+mn-ea"/>
+              </a:rPr>
+              <a:t>集成电路和</a:t>
+            </a:r>
+            <a:endParaRPr lang="zh-CN" altLang="en-US" sz="1400">
+              <a:solidFill>
+                <a:schemeClr val="tx1"/>
+              </a:solidFill>
+              <a:effectLst>
+                <a:outerShdw blurRad="38100" dist="19050" dir="2700000" algn="tl" rotWithShape="0">
+                  <a:schemeClr val="dk1">
+                    <a:alpha val="40000"/>
+                  </a:schemeClr>
+                </a:outerShdw>
+              </a:effectLst>
+            </a:endParaRPr>
+          </a:p>
+          <a:p>
+            <a:pPr algn="ctr"/>
+            <a:r>
+              <a:rPr lang="zh-CN" altLang="en-US" sz="1400">
+                <a:ln/>
+                <a:solidFill>
+                  <a:schemeClr val="tx1"/>
+                </a:solidFill>
+                <a:effectLst>
+                  <a:outerShdw blurRad="38100" dist="19050" dir="2700000" algn="tl" rotWithShape="0">
+                    <a:schemeClr val="dk1">
+                      <a:alpha val="40000"/>
+                    </a:schemeClr>
+                  </a:outerShdw>
+                </a:effectLst>
+              </a:rPr>
+              <a:t>大规模集成电路</a:t>
+            </a:r>
+            <a:endParaRPr lang="zh-CN" altLang="en-US" sz="1400">
+              <a:ln/>
+              <a:solidFill>
+                <a:schemeClr val="tx1"/>
+              </a:solidFill>
+              <a:effectLst>
+                <a:outerShdw blurRad="38100" dist="19050" dir="2700000" algn="tl" rotWithShape="0">
+                  <a:schemeClr val="dk1">
+                    <a:alpha val="40000"/>
+                  </a:schemeClr>
+                </a:outerShdw>
+              </a:effectLst>
+            </a:endParaRPr>
+          </a:p>
+        </p:txBody>
+      </p:sp>
+      <p:sp>
+        <p:nvSpPr>
+          <p:cNvPr id="22" name="文本框 21"/>
+          <p:cNvSpPr txBox="1"/>
+          <p:nvPr/>
+        </p:nvSpPr>
+        <p:spPr>
+          <a:xfrm>
+            <a:off x="4752340" y="3129280"/>
+            <a:ext cx="1347470" cy="306705"/>
+          </a:xfrm>
+          <a:prstGeom prst="rect">
+            <a:avLst/>
+          </a:prstGeom>
+          <a:noFill/>
+        </p:spPr>
+        <p:txBody>
+          <a:bodyPr wrap="square" rtlCol="0">
+            <a:spAutoFit/>
+          </a:bodyPr>
+          <a:p>
+            <a:r>
+              <a:rPr lang="zh-CN" altLang="en-US" sz="1400"/>
+              <a:t>集成电路时期</a:t>
+            </a:r>
+            <a:endParaRPr lang="zh-CN" altLang="en-US" sz="1400"/>
+          </a:p>
+        </p:txBody>
+      </p:sp>
+      <p:sp>
+        <p:nvSpPr>
+          <p:cNvPr id="24" name="右大括号 23"/>
+          <p:cNvSpPr/>
+          <p:nvPr/>
+        </p:nvSpPr>
+        <p:spPr>
+          <a:xfrm rot="5400000">
+            <a:off x="5275580" y="1847215"/>
+            <a:ext cx="300990" cy="2261870"/>
+          </a:xfrm>
+          <a:prstGeom prst="rightBrace">
+            <a:avLst/>
+          </a:prstGeom>
+        </p:spPr>
+        <p:style>
+          <a:lnRef idx="1">
+            <a:schemeClr val="accent1"/>
+          </a:lnRef>
+          <a:fillRef idx="0">
+            <a:schemeClr val="accent1"/>
+          </a:fillRef>
+          <a:effectRef idx="0">
+            <a:schemeClr val="accent1"/>
+          </a:effectRef>
+          <a:fontRef idx="minor">
+            <a:schemeClr val="tx1"/>
+          </a:fontRef>
+        </p:style>
+        <p:txBody>
+          <a:bodyPr rtlCol="0" anchor="ctr"/>
+          <a:p>
+            <a:pPr algn="ctr"/>
+            <a:endParaRPr lang="zh-CN" altLang="en-US"/>
+          </a:p>
+        </p:txBody>
+      </p:sp>
+      <p:sp>
+        <p:nvSpPr>
+          <p:cNvPr id="25" name="右大括号 24"/>
+          <p:cNvSpPr/>
+          <p:nvPr/>
+        </p:nvSpPr>
+        <p:spPr>
+          <a:xfrm rot="5400000">
+            <a:off x="2932430" y="1905000"/>
+            <a:ext cx="300990" cy="2147570"/>
+          </a:xfrm>
+          <a:prstGeom prst="rightBrace">
+            <a:avLst/>
+          </a:prstGeom>
+        </p:spPr>
+        <p:style>
+          <a:lnRef idx="1">
+            <a:schemeClr val="accent1"/>
+          </a:lnRef>
+          <a:fillRef idx="0">
+            <a:schemeClr val="accent1"/>
+          </a:fillRef>
+          <a:effectRef idx="0">
+            <a:schemeClr val="accent1"/>
+          </a:effectRef>
+          <a:fontRef idx="minor">
+            <a:schemeClr val="tx1"/>
+          </a:fontRef>
+        </p:style>
+        <p:txBody>
+          <a:bodyPr rtlCol="0" anchor="ctr"/>
+          <a:p>
+            <a:pPr algn="ctr"/>
+            <a:endParaRPr lang="zh-CN" altLang="en-US"/>
+          </a:p>
+        </p:txBody>
+      </p:sp>
+      <p:sp>
+        <p:nvSpPr>
+          <p:cNvPr id="26" name="右大括号 25"/>
+          <p:cNvSpPr/>
+          <p:nvPr/>
+        </p:nvSpPr>
+        <p:spPr>
+          <a:xfrm rot="5400000">
+            <a:off x="7531100" y="2778125"/>
+            <a:ext cx="300990" cy="2148205"/>
+          </a:xfrm>
+          <a:prstGeom prst="rightBrace">
+            <a:avLst/>
+          </a:prstGeom>
+        </p:spPr>
+        <p:style>
+          <a:lnRef idx="1">
+            <a:schemeClr val="accent1"/>
+          </a:lnRef>
+          <a:fillRef idx="0">
+            <a:schemeClr val="accent1"/>
+          </a:fillRef>
+          <a:effectRef idx="0">
+            <a:schemeClr val="accent1"/>
+          </a:effectRef>
+          <a:fontRef idx="minor">
+            <a:schemeClr val="tx1"/>
+          </a:fontRef>
+        </p:style>
+        <p:txBody>
+          <a:bodyPr rtlCol="0" anchor="ctr"/>
+          <a:p>
+            <a:pPr algn="ctr"/>
+            <a:endParaRPr lang="zh-CN" altLang="en-US"/>
+          </a:p>
+        </p:txBody>
+      </p:sp>
+      <p:sp>
+        <p:nvSpPr>
+          <p:cNvPr id="27" name="文本框 26"/>
+          <p:cNvSpPr txBox="1"/>
+          <p:nvPr/>
+        </p:nvSpPr>
+        <p:spPr>
+          <a:xfrm>
+            <a:off x="7007860" y="3975100"/>
+            <a:ext cx="1347470" cy="306705"/>
+          </a:xfrm>
+          <a:prstGeom prst="rect">
+            <a:avLst/>
+          </a:prstGeom>
+          <a:noFill/>
+        </p:spPr>
+        <p:txBody>
+          <a:bodyPr wrap="square" rtlCol="0">
+            <a:spAutoFit/>
+          </a:bodyPr>
+          <a:p>
+            <a:r>
+              <a:rPr lang="zh-CN" altLang="en-US" sz="1400"/>
+              <a:t>计算机时代</a:t>
+            </a:r>
+            <a:endParaRPr lang="zh-CN" altLang="en-US" sz="1400"/>
+          </a:p>
+        </p:txBody>
+      </p:sp>
+      <p:sp>
+        <p:nvSpPr>
+          <p:cNvPr id="28" name="右箭头 27"/>
+          <p:cNvSpPr/>
+          <p:nvPr/>
+        </p:nvSpPr>
+        <p:spPr>
+          <a:xfrm>
+            <a:off x="782320" y="2454275"/>
+            <a:ext cx="1079500" cy="314960"/>
+          </a:xfrm>
+          <a:prstGeom prst="rightArrow">
+            <a:avLst/>
+          </a:prstGeom>
+        </p:spPr>
+        <p:style>
+          <a:lnRef idx="2">
+            <a:schemeClr val="accent1">
+              <a:shade val="50000"/>
+            </a:schemeClr>
+          </a:lnRef>
+          <a:fillRef idx="1">
+            <a:schemeClr val="accent1"/>
+          </a:fillRef>
+          <a:effectRef idx="0">
+            <a:schemeClr val="accent1"/>
+          </a:effectRef>
+          <a:fontRef idx="minor">
+            <a:schemeClr val="lt1"/>
+          </a:fontRef>
+        </p:style>
+        <p:txBody>
+          <a:bodyPr rtlCol="0" anchor="ctr"/>
+          <a:p>
+            <a:pPr algn="ctr"/>
+            <a:endParaRPr lang="zh-CN" altLang="en-US"/>
+          </a:p>
+        </p:txBody>
+      </p:sp>
+      <p:sp>
+        <p:nvSpPr>
+          <p:cNvPr id="29" name="右大括号 28"/>
+          <p:cNvSpPr/>
+          <p:nvPr/>
+        </p:nvSpPr>
+        <p:spPr>
+          <a:xfrm rot="5400000">
+            <a:off x="1171575" y="2439035"/>
+            <a:ext cx="300990" cy="1078865"/>
+          </a:xfrm>
+          <a:prstGeom prst="rightBrace">
+            <a:avLst/>
+          </a:prstGeom>
+        </p:spPr>
+        <p:style>
+          <a:lnRef idx="1">
+            <a:schemeClr val="accent1"/>
+          </a:lnRef>
+          <a:fillRef idx="0">
+            <a:schemeClr val="accent1"/>
+          </a:fillRef>
+          <a:effectRef idx="0">
+            <a:schemeClr val="accent1"/>
+          </a:effectRef>
+          <a:fontRef idx="minor">
+            <a:schemeClr val="tx1"/>
+          </a:fontRef>
+        </p:style>
+        <p:txBody>
+          <a:bodyPr rtlCol="0" anchor="ctr"/>
+          <a:p>
+            <a:pPr algn="ctr"/>
+            <a:endParaRPr lang="zh-CN" altLang="en-US"/>
+          </a:p>
+        </p:txBody>
+      </p:sp>
+      <p:sp>
+        <p:nvSpPr>
+          <p:cNvPr id="30" name="右大括号 29"/>
+          <p:cNvSpPr/>
+          <p:nvPr/>
+        </p:nvSpPr>
+        <p:spPr>
+          <a:xfrm rot="5400000">
+            <a:off x="6297295" y="-93980"/>
+            <a:ext cx="300990" cy="9172575"/>
+          </a:xfrm>
+          <a:prstGeom prst="rightBrace">
+            <a:avLst/>
+          </a:prstGeom>
+        </p:spPr>
+        <p:style>
+          <a:lnRef idx="1">
+            <a:schemeClr val="accent1"/>
+          </a:lnRef>
+          <a:fillRef idx="0">
+            <a:schemeClr val="accent1"/>
+          </a:fillRef>
+          <a:effectRef idx="0">
+            <a:schemeClr val="accent1"/>
+          </a:effectRef>
+          <a:fontRef idx="minor">
+            <a:schemeClr val="tx1"/>
+          </a:fontRef>
+        </p:style>
+        <p:txBody>
+          <a:bodyPr rtlCol="0" anchor="ctr"/>
+          <a:p>
+            <a:pPr algn="ctr"/>
+            <a:endParaRPr lang="zh-CN" altLang="en-US"/>
+          </a:p>
+        </p:txBody>
+      </p:sp>
+      <p:sp>
+        <p:nvSpPr>
+          <p:cNvPr id="31" name="文本框 30"/>
+          <p:cNvSpPr txBox="1"/>
+          <p:nvPr/>
+        </p:nvSpPr>
+        <p:spPr>
+          <a:xfrm>
+            <a:off x="5584825" y="4695190"/>
+            <a:ext cx="1522095" cy="306705"/>
+          </a:xfrm>
+          <a:prstGeom prst="rect">
+            <a:avLst/>
+          </a:prstGeom>
+          <a:noFill/>
+        </p:spPr>
+        <p:txBody>
+          <a:bodyPr wrap="square" rtlCol="0">
+            <a:spAutoFit/>
+          </a:bodyPr>
+          <a:p>
+            <a:r>
+              <a:rPr lang="zh-CN" altLang="en-US" sz="1400"/>
+              <a:t>电子计算机时代</a:t>
+            </a:r>
+            <a:endParaRPr lang="zh-CN" altLang="en-US" sz="1400"/>
+          </a:p>
+        </p:txBody>
+      </p:sp>
+      <p:sp>
+        <p:nvSpPr>
+          <p:cNvPr id="32" name="右大括号 31"/>
+          <p:cNvSpPr/>
+          <p:nvPr/>
+        </p:nvSpPr>
+        <p:spPr>
+          <a:xfrm rot="5400000">
+            <a:off x="659765" y="4258945"/>
+            <a:ext cx="300990" cy="466090"/>
+          </a:xfrm>
+          <a:prstGeom prst="rightBrace">
+            <a:avLst/>
+          </a:prstGeom>
+        </p:spPr>
+        <p:style>
+          <a:lnRef idx="1">
+            <a:schemeClr val="accent1"/>
+          </a:lnRef>
+          <a:fillRef idx="0">
+            <a:schemeClr val="accent1"/>
+          </a:fillRef>
+          <a:effectRef idx="0">
+            <a:schemeClr val="accent1"/>
+          </a:effectRef>
+          <a:fontRef idx="minor">
+            <a:schemeClr val="tx1"/>
+          </a:fontRef>
+        </p:style>
+        <p:txBody>
+          <a:bodyPr rtlCol="0" anchor="ctr"/>
+          <a:p>
+            <a:pPr algn="ctr"/>
+            <a:endParaRPr lang="zh-CN" altLang="en-US"/>
+          </a:p>
+        </p:txBody>
+      </p:sp>
+      <p:sp>
+        <p:nvSpPr>
+          <p:cNvPr id="33" name="文本框 32"/>
+          <p:cNvSpPr txBox="1"/>
+          <p:nvPr/>
+        </p:nvSpPr>
+        <p:spPr>
+          <a:xfrm>
+            <a:off x="450850" y="4735195"/>
+            <a:ext cx="718185" cy="737235"/>
+          </a:xfrm>
+          <a:prstGeom prst="rect">
+            <a:avLst/>
+          </a:prstGeom>
+          <a:noFill/>
+        </p:spPr>
+        <p:txBody>
+          <a:bodyPr wrap="square" rtlCol="0">
+            <a:spAutoFit/>
+          </a:bodyPr>
+          <a:p>
+            <a:r>
+              <a:rPr lang="zh-CN" altLang="en-US" sz="1400"/>
+              <a:t>史前计算机时代</a:t>
+            </a:r>
+            <a:endParaRPr lang="zh-CN" altLang="en-US" sz="1400"/>
+          </a:p>
+        </p:txBody>
+      </p:sp>
+      <p:sp>
+        <p:nvSpPr>
+          <p:cNvPr id="34" name="右大括号 33"/>
+          <p:cNvSpPr/>
+          <p:nvPr/>
+        </p:nvSpPr>
+        <p:spPr>
+          <a:xfrm rot="5400000">
+            <a:off x="9724390" y="2805430"/>
+            <a:ext cx="300990" cy="2094230"/>
+          </a:xfrm>
+          <a:prstGeom prst="rightBrace">
+            <a:avLst/>
+          </a:prstGeom>
+        </p:spPr>
+        <p:style>
+          <a:lnRef idx="1">
+            <a:schemeClr val="accent1"/>
+          </a:lnRef>
+          <a:fillRef idx="0">
+            <a:schemeClr val="accent1"/>
+          </a:fillRef>
+          <a:effectRef idx="0">
+            <a:schemeClr val="accent1"/>
+          </a:effectRef>
+          <a:fontRef idx="minor">
+            <a:schemeClr val="tx1"/>
+          </a:fontRef>
+        </p:style>
+        <p:txBody>
+          <a:bodyPr rtlCol="0" anchor="ctr"/>
+          <a:p>
+            <a:pPr algn="ctr"/>
+            <a:endParaRPr lang="zh-CN" altLang="en-US"/>
+          </a:p>
+        </p:txBody>
+      </p:sp>
+      <p:sp>
+        <p:nvSpPr>
+          <p:cNvPr id="35" name="文本框 34"/>
+          <p:cNvSpPr txBox="1"/>
+          <p:nvPr/>
+        </p:nvSpPr>
+        <p:spPr>
+          <a:xfrm>
+            <a:off x="9309735" y="3975100"/>
+            <a:ext cx="1347470" cy="306705"/>
+          </a:xfrm>
+          <a:prstGeom prst="rect">
+            <a:avLst/>
+          </a:prstGeom>
+          <a:noFill/>
+        </p:spPr>
+        <p:txBody>
+          <a:bodyPr wrap="square" rtlCol="0">
+            <a:spAutoFit/>
+          </a:bodyPr>
+          <a:p>
+            <a:r>
+              <a:rPr lang="zh-CN" altLang="en-US" sz="1400"/>
+              <a:t>人工智能时代</a:t>
+            </a:r>
+            <a:endParaRPr lang="zh-CN" altLang="en-US" sz="1400"/>
+          </a:p>
+        </p:txBody>
+      </p:sp>
+      <p:sp>
+        <p:nvSpPr>
+          <p:cNvPr id="36" name="右大括号 35"/>
+          <p:cNvSpPr/>
+          <p:nvPr/>
+        </p:nvSpPr>
+        <p:spPr>
+          <a:xfrm rot="5400000">
+            <a:off x="4705350" y="2150745"/>
+            <a:ext cx="300990" cy="3403600"/>
+          </a:xfrm>
+          <a:prstGeom prst="rightBrace">
+            <a:avLst/>
+          </a:prstGeom>
+        </p:spPr>
+        <p:style>
+          <a:lnRef idx="1">
+            <a:schemeClr val="accent1"/>
+          </a:lnRef>
+          <a:fillRef idx="0">
+            <a:schemeClr val="accent1"/>
+          </a:fillRef>
+          <a:effectRef idx="0">
+            <a:schemeClr val="accent1"/>
+          </a:effectRef>
+          <a:fontRef idx="minor">
+            <a:schemeClr val="tx1"/>
+          </a:fontRef>
+        </p:style>
+        <p:txBody>
+          <a:bodyPr rtlCol="0" anchor="ctr"/>
+          <a:p>
+            <a:pPr algn="ctr"/>
+            <a:endParaRPr lang="zh-CN" altLang="en-US"/>
+          </a:p>
+        </p:txBody>
+      </p:sp>
+      <p:sp>
+        <p:nvSpPr>
+          <p:cNvPr id="37" name="文本框 36"/>
+          <p:cNvSpPr txBox="1"/>
+          <p:nvPr/>
+        </p:nvSpPr>
+        <p:spPr>
+          <a:xfrm>
+            <a:off x="4039235" y="4003040"/>
+            <a:ext cx="1720215" cy="306705"/>
+          </a:xfrm>
+          <a:prstGeom prst="rect">
+            <a:avLst/>
+          </a:prstGeom>
+          <a:noFill/>
+        </p:spPr>
+        <p:txBody>
+          <a:bodyPr wrap="square" rtlCol="0">
+            <a:spAutoFit/>
+          </a:bodyPr>
+          <a:p>
+            <a:r>
+              <a:rPr lang="zh-CN" altLang="en-US" sz="1400"/>
+              <a:t> 大型计算机时代</a:t>
+            </a:r>
+            <a:endParaRPr lang="zh-CN" altLang="en-US" sz="1400"/>
+          </a:p>
+        </p:txBody>
+      </p:sp>
+      <p:sp>
+        <p:nvSpPr>
+          <p:cNvPr id="38" name="右大括号 37"/>
+          <p:cNvSpPr/>
+          <p:nvPr/>
+        </p:nvSpPr>
+        <p:spPr>
+          <a:xfrm rot="5400000">
+            <a:off x="7139940" y="2319655"/>
+            <a:ext cx="300990" cy="1318260"/>
+          </a:xfrm>
+          <a:prstGeom prst="rightBrace">
+            <a:avLst/>
+          </a:prstGeom>
+        </p:spPr>
+        <p:style>
+          <a:lnRef idx="1">
+            <a:schemeClr val="accent1"/>
+          </a:lnRef>
+          <a:fillRef idx="0">
+            <a:schemeClr val="accent1"/>
+          </a:fillRef>
+          <a:effectRef idx="0">
+            <a:schemeClr val="accent1"/>
+          </a:effectRef>
+          <a:fontRef idx="minor">
+            <a:schemeClr val="tx1"/>
+          </a:fontRef>
+        </p:style>
+        <p:txBody>
+          <a:bodyPr rtlCol="0" anchor="ctr"/>
+          <a:p>
+            <a:pPr algn="ctr"/>
+            <a:endParaRPr lang="zh-CN" altLang="en-US"/>
+          </a:p>
+        </p:txBody>
+      </p:sp>
+      <p:sp>
+        <p:nvSpPr>
+          <p:cNvPr id="39" name="文本框 38"/>
+          <p:cNvSpPr txBox="1"/>
+          <p:nvPr/>
+        </p:nvSpPr>
+        <p:spPr>
+          <a:xfrm>
+            <a:off x="6607810" y="3129280"/>
+            <a:ext cx="1280160" cy="306705"/>
+          </a:xfrm>
+          <a:prstGeom prst="rect">
+            <a:avLst/>
+          </a:prstGeom>
+          <a:noFill/>
+        </p:spPr>
+        <p:txBody>
+          <a:bodyPr wrap="square" rtlCol="0">
+            <a:spAutoFit/>
+          </a:bodyPr>
+          <a:p>
+            <a:r>
+              <a:rPr lang="zh-CN" altLang="en-US" sz="1400"/>
+              <a:t>微处理器时期</a:t>
+            </a:r>
+            <a:endParaRPr lang="zh-CN" altLang="en-US" sz="1400"/>
+          </a:p>
+        </p:txBody>
+      </p:sp>
+      <p:sp>
+        <p:nvSpPr>
+          <p:cNvPr id="40" name="右箭头 39"/>
+          <p:cNvSpPr/>
+          <p:nvPr/>
+        </p:nvSpPr>
+        <p:spPr>
+          <a:xfrm>
+            <a:off x="6671945" y="2454275"/>
+            <a:ext cx="2238375" cy="314960"/>
+          </a:xfrm>
+          <a:prstGeom prst="rightArrow">
+            <a:avLst/>
+          </a:prstGeom>
+          <a:gradFill>
+            <a:gsLst>
+              <a:gs pos="0">
+                <a:srgbClr val="14CD68"/>
+              </a:gs>
+              <a:gs pos="100000">
+                <a:srgbClr val="0B6E38"/>
+              </a:gs>
+            </a:gsLst>
+            <a:lin ang="5400000" scaled="0"/>
+          </a:gradFill>
+        </p:spPr>
+        <p:style>
+          <a:lnRef idx="2">
+            <a:schemeClr val="accent1">
+              <a:shade val="50000"/>
+            </a:schemeClr>
+          </a:lnRef>
+          <a:fillRef idx="1">
+            <a:schemeClr val="accent1"/>
+          </a:fillRef>
+          <a:effectRef idx="0">
+            <a:schemeClr val="accent1"/>
+          </a:effectRef>
+          <a:fontRef idx="minor">
+            <a:schemeClr val="lt1"/>
+          </a:fontRef>
+        </p:style>
+        <p:txBody>
+          <a:bodyPr rtlCol="0" anchor="ctr"/>
+          <a:p>
+            <a:pPr algn="ctr"/>
+            <a:endParaRPr lang="zh-CN" altLang="en-US"/>
+          </a:p>
+        </p:txBody>
+      </p:sp>
+      <p:sp>
+        <p:nvSpPr>
+          <p:cNvPr id="41" name="文本框 40"/>
+          <p:cNvSpPr txBox="1"/>
+          <p:nvPr/>
+        </p:nvSpPr>
+        <p:spPr>
+          <a:xfrm>
+            <a:off x="6630670" y="2473960"/>
+            <a:ext cx="1129665" cy="275590"/>
+          </a:xfrm>
+          <a:prstGeom prst="rect">
+            <a:avLst/>
+          </a:prstGeom>
+          <a:noFill/>
+        </p:spPr>
+        <p:txBody>
+          <a:bodyPr wrap="square" rtlCol="0">
+            <a:spAutoFit/>
+          </a:bodyPr>
+          <a:p>
+            <a:r>
+              <a:rPr lang="en-US" altLang="zh-CN" sz="1200"/>
+              <a:t>1970~1990</a:t>
+            </a:r>
+            <a:endParaRPr lang="zh-CN" altLang="en-US" sz="1200"/>
+          </a:p>
+        </p:txBody>
+      </p:sp>
+      <p:sp>
+        <p:nvSpPr>
+          <p:cNvPr id="42" name="椭圆形标注 41"/>
+          <p:cNvSpPr/>
+          <p:nvPr/>
+        </p:nvSpPr>
+        <p:spPr>
+          <a:xfrm>
+            <a:off x="6467475" y="1513205"/>
+            <a:ext cx="2054860" cy="600710"/>
+          </a:xfrm>
+          <a:prstGeom prst="wedgeEllipseCallout">
+            <a:avLst>
+              <a:gd name="adj1" fmla="val 16594"/>
+              <a:gd name="adj2" fmla="val 119133"/>
+            </a:avLst>
+          </a:prstGeom>
+          <a:gradFill>
+            <a:gsLst>
+              <a:gs pos="0">
+                <a:srgbClr val="14CD68"/>
+              </a:gs>
+              <a:gs pos="100000">
+                <a:srgbClr val="0B6E38"/>
+              </a:gs>
+            </a:gsLst>
+            <a:lin ang="5400000" scaled="0"/>
+          </a:gradFill>
+        </p:spPr>
+        <p:style>
+          <a:lnRef idx="2">
+            <a:schemeClr val="accent1">
+              <a:shade val="50000"/>
+            </a:schemeClr>
+          </a:lnRef>
+          <a:fillRef idx="1">
+            <a:schemeClr val="accent1"/>
+          </a:fillRef>
+          <a:effectRef idx="0">
+            <a:schemeClr val="accent1"/>
+          </a:effectRef>
+          <a:fontRef idx="minor">
+            <a:schemeClr val="lt1"/>
+          </a:fontRef>
+        </p:style>
+        <p:txBody>
+          <a:bodyPr rtlCol="0" anchor="ctr"/>
+          <a:p>
+            <a:pPr algn="ctr"/>
+            <a:r>
+              <a:rPr lang="zh-CN" altLang="en-US" sz="1400">
+                <a:solidFill>
+                  <a:schemeClr val="tx1"/>
+                </a:solidFill>
+                <a:effectLst>
+                  <a:outerShdw blurRad="38100" dist="19050" dir="2700000" algn="tl" rotWithShape="0">
+                    <a:schemeClr val="dk1">
+                      <a:alpha val="40000"/>
+                    </a:schemeClr>
+                  </a:outerShdw>
+                </a:effectLst>
+              </a:rPr>
+              <a:t>超大规模集成电路计算机时代</a:t>
+            </a:r>
+            <a:endParaRPr lang="zh-CN" altLang="en-US" sz="1400">
+              <a:solidFill>
+                <a:schemeClr val="tx1"/>
+              </a:solidFill>
+              <a:effectLst>
+                <a:outerShdw blurRad="38100" dist="19050" dir="2700000" algn="tl" rotWithShape="0">
+                  <a:schemeClr val="dk1">
+                    <a:alpha val="40000"/>
+                  </a:schemeClr>
+                </a:outerShdw>
+              </a:effectLst>
+            </a:endParaRPr>
+          </a:p>
+        </p:txBody>
+      </p:sp>
+      <p:sp>
+        <p:nvSpPr>
+          <p:cNvPr id="45" name="右大括号 44"/>
+          <p:cNvSpPr/>
+          <p:nvPr/>
+        </p:nvSpPr>
+        <p:spPr>
+          <a:xfrm rot="5400000">
+            <a:off x="8672195" y="2175510"/>
+            <a:ext cx="300990" cy="1605280"/>
+          </a:xfrm>
+          <a:prstGeom prst="rightBrace">
+            <a:avLst/>
+          </a:prstGeom>
+        </p:spPr>
+        <p:style>
+          <a:lnRef idx="1">
+            <a:schemeClr val="accent1"/>
+          </a:lnRef>
+          <a:fillRef idx="0">
+            <a:schemeClr val="accent1"/>
+          </a:fillRef>
+          <a:effectRef idx="0">
+            <a:schemeClr val="accent1"/>
+          </a:effectRef>
+          <a:fontRef idx="minor">
+            <a:schemeClr val="tx1"/>
+          </a:fontRef>
+        </p:style>
+        <p:txBody>
+          <a:bodyPr rtlCol="0" anchor="ctr"/>
+          <a:p>
+            <a:pPr algn="ctr"/>
+            <a:endParaRPr lang="zh-CN" altLang="en-US"/>
+          </a:p>
+        </p:txBody>
+      </p:sp>
+      <p:sp>
+        <p:nvSpPr>
+          <p:cNvPr id="46" name="文本框 45"/>
+          <p:cNvSpPr txBox="1"/>
+          <p:nvPr/>
+        </p:nvSpPr>
+        <p:spPr>
+          <a:xfrm>
+            <a:off x="8020050" y="3129280"/>
+            <a:ext cx="1720215" cy="306705"/>
+          </a:xfrm>
+          <a:prstGeom prst="rect">
+            <a:avLst/>
+          </a:prstGeom>
+          <a:noFill/>
+        </p:spPr>
+        <p:txBody>
+          <a:bodyPr wrap="square" rtlCol="0">
+            <a:spAutoFit/>
+          </a:bodyPr>
+          <a:p>
+            <a:r>
+              <a:rPr lang="zh-CN" altLang="en-US" sz="1400"/>
+              <a:t>超级计算机时期</a:t>
+            </a:r>
+            <a:endParaRPr lang="zh-CN" altLang="en-US" sz="1400"/>
+          </a:p>
+        </p:txBody>
+      </p:sp>
+      <p:sp>
+        <p:nvSpPr>
+          <p:cNvPr id="47" name="右大括号 46"/>
+          <p:cNvSpPr/>
+          <p:nvPr/>
+        </p:nvSpPr>
+        <p:spPr>
+          <a:xfrm rot="5400000">
+            <a:off x="10206990" y="2302510"/>
+            <a:ext cx="300990" cy="1351915"/>
+          </a:xfrm>
+          <a:prstGeom prst="rightBrace">
+            <a:avLst/>
+          </a:prstGeom>
+        </p:spPr>
+        <p:style>
+          <a:lnRef idx="1">
+            <a:schemeClr val="accent1"/>
+          </a:lnRef>
+          <a:fillRef idx="0">
+            <a:schemeClr val="accent1"/>
+          </a:fillRef>
+          <a:effectRef idx="0">
+            <a:schemeClr val="accent1"/>
+          </a:effectRef>
+          <a:fontRef idx="minor">
+            <a:schemeClr val="tx1"/>
+          </a:fontRef>
+        </p:style>
+        <p:txBody>
+          <a:bodyPr rtlCol="0" anchor="ctr"/>
+          <a:p>
+            <a:pPr algn="ctr"/>
+            <a:endParaRPr lang="zh-CN" altLang="en-US"/>
+          </a:p>
+        </p:txBody>
+      </p:sp>
+      <p:sp>
+        <p:nvSpPr>
+          <p:cNvPr id="48" name="文本框 47"/>
+          <p:cNvSpPr txBox="1"/>
+          <p:nvPr/>
+        </p:nvSpPr>
+        <p:spPr>
+          <a:xfrm>
+            <a:off x="9928225" y="3175635"/>
+            <a:ext cx="859155" cy="306705"/>
+          </a:xfrm>
+          <a:prstGeom prst="rect">
+            <a:avLst/>
+          </a:prstGeom>
+          <a:noFill/>
+        </p:spPr>
+        <p:txBody>
+          <a:bodyPr wrap="square" rtlCol="0">
+            <a:spAutoFit/>
+          </a:bodyPr>
+          <a:p>
+            <a:r>
+              <a:rPr lang="zh-CN" altLang="en-US" sz="1400"/>
+              <a:t>云计算</a:t>
+            </a:r>
+            <a:endParaRPr lang="zh-CN" altLang="en-US" sz="1400"/>
+          </a:p>
+        </p:txBody>
+      </p:sp>
+      <p:sp>
+        <p:nvSpPr>
+          <p:cNvPr id="49" name="右箭头 48"/>
+          <p:cNvSpPr/>
+          <p:nvPr/>
+        </p:nvSpPr>
+        <p:spPr>
+          <a:xfrm>
+            <a:off x="9020175" y="2434590"/>
+            <a:ext cx="2012950" cy="314960"/>
+          </a:xfrm>
+          <a:prstGeom prst="rightArrow">
+            <a:avLst/>
+          </a:prstGeom>
+          <a:gradFill>
+            <a:gsLst>
+              <a:gs pos="0">
+                <a:srgbClr val="14CD68"/>
+              </a:gs>
+              <a:gs pos="100000">
+                <a:srgbClr val="035C7D"/>
+              </a:gs>
+            </a:gsLst>
+            <a:lin ang="5400000" scaled="0"/>
+          </a:gradFill>
+        </p:spPr>
+        <p:style>
+          <a:lnRef idx="2">
+            <a:schemeClr val="accent1">
+              <a:shade val="50000"/>
+            </a:schemeClr>
+          </a:lnRef>
+          <a:fillRef idx="1">
+            <a:schemeClr val="accent1"/>
+          </a:fillRef>
+          <a:effectRef idx="0">
+            <a:schemeClr val="accent1"/>
+          </a:effectRef>
+          <a:fontRef idx="minor">
+            <a:schemeClr val="lt1"/>
+          </a:fontRef>
+        </p:style>
+        <p:txBody>
+          <a:bodyPr rtlCol="0" anchor="ctr"/>
+          <a:p>
+            <a:pPr algn="ctr"/>
+            <a:endParaRPr lang="zh-CN" altLang="en-US"/>
+          </a:p>
+        </p:txBody>
+      </p:sp>
+      <p:sp>
+        <p:nvSpPr>
+          <p:cNvPr id="50" name="文本框 49"/>
+          <p:cNvSpPr txBox="1"/>
+          <p:nvPr/>
+        </p:nvSpPr>
+        <p:spPr>
+          <a:xfrm>
+            <a:off x="8978900" y="2454275"/>
+            <a:ext cx="1678940" cy="275590"/>
+          </a:xfrm>
+          <a:prstGeom prst="rect">
+            <a:avLst/>
+          </a:prstGeom>
+          <a:noFill/>
+        </p:spPr>
+        <p:txBody>
+          <a:bodyPr wrap="square" rtlCol="0">
+            <a:spAutoFit/>
+          </a:bodyPr>
+          <a:p>
+            <a:r>
+              <a:rPr lang="en-US" altLang="zh-CN" sz="1200"/>
+              <a:t>20</a:t>
+            </a:r>
+            <a:r>
+              <a:rPr lang="zh-CN" altLang="en-US" sz="1200"/>
+              <a:t>世纪</a:t>
+            </a:r>
+            <a:r>
+              <a:rPr lang="en-US" altLang="zh-CN" sz="1200"/>
+              <a:t>90</a:t>
+            </a:r>
+            <a:r>
+              <a:rPr lang="zh-CN" altLang="en-US" sz="1200"/>
+              <a:t>年的</a:t>
+            </a:r>
+            <a:r>
+              <a:rPr lang="en-US" altLang="zh-CN" sz="1200"/>
+              <a:t>~</a:t>
+            </a:r>
+            <a:r>
+              <a:rPr lang="zh-CN" altLang="en-US" sz="1200"/>
+              <a:t>至今</a:t>
+            </a:r>
+            <a:endParaRPr lang="zh-CN" altLang="en-US" sz="1200"/>
+          </a:p>
+        </p:txBody>
+      </p:sp>
+      <p:sp>
+        <p:nvSpPr>
+          <p:cNvPr id="51" name="椭圆形标注 50"/>
+          <p:cNvSpPr/>
+          <p:nvPr/>
+        </p:nvSpPr>
+        <p:spPr>
+          <a:xfrm>
+            <a:off x="8732520" y="1482090"/>
+            <a:ext cx="2054860" cy="600710"/>
+          </a:xfrm>
+          <a:prstGeom prst="wedgeEllipseCallout">
+            <a:avLst>
+              <a:gd name="adj1" fmla="val 16594"/>
+              <a:gd name="adj2" fmla="val 119133"/>
+            </a:avLst>
+          </a:prstGeom>
+          <a:gradFill>
+            <a:gsLst>
+              <a:gs pos="0">
+                <a:srgbClr val="14CD68"/>
+              </a:gs>
+              <a:gs pos="100000">
+                <a:srgbClr val="035C7D"/>
+              </a:gs>
+            </a:gsLst>
+            <a:lin ang="5400000" scaled="0"/>
+          </a:gradFill>
+        </p:spPr>
+        <p:style>
+          <a:lnRef idx="2">
+            <a:schemeClr val="accent1">
+              <a:shade val="50000"/>
+            </a:schemeClr>
+          </a:lnRef>
+          <a:fillRef idx="1">
+            <a:schemeClr val="accent1"/>
+          </a:fillRef>
+          <a:effectRef idx="0">
+            <a:schemeClr val="accent1"/>
+          </a:effectRef>
+          <a:fontRef idx="minor">
+            <a:schemeClr val="lt1"/>
+          </a:fontRef>
+        </p:style>
+        <p:txBody>
+          <a:bodyPr rtlCol="0" anchor="ctr"/>
+          <a:p>
+            <a:pPr algn="ctr"/>
+            <a:r>
+              <a:rPr lang="zh-CN" altLang="en-US" sz="1400">
+                <a:solidFill>
+                  <a:schemeClr val="tx1"/>
+                </a:solidFill>
+                <a:effectLst>
+                  <a:outerShdw blurRad="38100" dist="19050" dir="2700000" algn="tl" rotWithShape="0">
+                    <a:schemeClr val="dk1">
+                      <a:alpha val="40000"/>
+                    </a:schemeClr>
+                  </a:outerShdw>
+                </a:effectLst>
+              </a:rPr>
+              <a:t>智能计算机时代</a:t>
+            </a:r>
+            <a:endParaRPr lang="zh-CN" altLang="en-US" sz="1400">
+              <a:solidFill>
+                <a:schemeClr val="tx1"/>
+              </a:solidFill>
+              <a:effectLst>
+                <a:outerShdw blurRad="38100" dist="19050" dir="2700000" algn="tl" rotWithShape="0">
+                  <a:schemeClr val="dk1">
+                    <a:alpha val="40000"/>
+                  </a:schemeClr>
+                </a:outerShdw>
+              </a:effectLst>
+            </a:endParaRPr>
+          </a:p>
+        </p:txBody>
+      </p:sp>
+      <p:sp>
+        <p:nvSpPr>
+          <p:cNvPr id="52" name="右大括号 51"/>
+          <p:cNvSpPr/>
+          <p:nvPr/>
+        </p:nvSpPr>
+        <p:spPr>
+          <a:xfrm rot="5400000">
+            <a:off x="1279525" y="4152900"/>
+            <a:ext cx="300990" cy="678180"/>
+          </a:xfrm>
+          <a:prstGeom prst="rightBrace">
+            <a:avLst/>
+          </a:prstGeom>
+        </p:spPr>
+        <p:style>
+          <a:lnRef idx="1">
+            <a:schemeClr val="accent1"/>
+          </a:lnRef>
+          <a:fillRef idx="0">
+            <a:schemeClr val="accent1"/>
+          </a:fillRef>
+          <a:effectRef idx="0">
+            <a:schemeClr val="accent1"/>
+          </a:effectRef>
+          <a:fontRef idx="minor">
+            <a:schemeClr val="tx1"/>
+          </a:fontRef>
+        </p:style>
+        <p:txBody>
+          <a:bodyPr rtlCol="0" anchor="ctr"/>
+          <a:p>
+            <a:pPr algn="ctr"/>
+            <a:endParaRPr lang="zh-CN" altLang="en-US"/>
+          </a:p>
+        </p:txBody>
+      </p:sp>
+    </p:spTree>
+  </p:cSld>
+  <p:clrMapOvr>
+    <a:masterClrMapping/>
+  </p:clrMapOvr>
+</p:sld>
+</file>
+
 <file path=ppt/theme/theme1.xml><?xml version="1.0" encoding="utf-8"?>
 <a:theme xmlns:a="http://schemas.openxmlformats.org/drawingml/2006/main" name="Office 主题">
   <a:themeElements>
@@ -3195,8 +4840,6 @@
       </a:bgFillStyleLst>
     </a:fmtScheme>
   </a:themeElements>
-  <a:objectDefaults/>
-  <a:extraClrSchemeLst/>
   <a:extLst>
     <a:ext uri="{05A4C25C-085E-4340-85A3-A5531E510DB2}">
       <thm15:themeFamily xmlns:thm15="http://schemas.microsoft.com/office/thememl/2012/main" name="Office Theme" id="{62F939B6-93AF-4DB8-9C6B-D6C7DFDC589F}" vid="{4A3C46E8-61CC-4603-A589-7422A47A8E4A}"/>

--- a/计算机基础.pptx
+++ b/计算机基础.pptx
@@ -14,6 +14,7 @@
     <p:sldId id="258" r:id="rId7"/>
     <p:sldId id="256" r:id="rId8"/>
     <p:sldId id="259" r:id="rId9"/>
+    <p:sldId id="261" r:id="rId10"/>
   </p:sldIdLst>
   <p:sldSz cx="12192000" cy="6858000"/>
   <p:notesSz cx="6858000" cy="9144000"/>
@@ -21604,6 +21605,324 @@
 </p:sld>
 </file>
 
+<file path=ppt/slides/slide5.xml><?xml version="1.0" encoding="utf-8"?>
+<p:sld xmlns:a="http://schemas.openxmlformats.org/drawingml/2006/main" xmlns:r="http://schemas.openxmlformats.org/officeDocument/2006/relationships" xmlns:p="http://schemas.openxmlformats.org/presentationml/2006/main">
+  <p:cSld>
+    <p:spTree>
+      <p:nvGrpSpPr>
+        <p:cNvPr id="1" name=""/>
+        <p:cNvGrpSpPr/>
+        <p:nvPr/>
+      </p:nvGrpSpPr>
+      <p:grpSpPr/>
+      <p:sp>
+        <p:nvSpPr>
+          <p:cNvPr id="2" name="矩形 1"/>
+          <p:cNvSpPr/>
+          <p:nvPr/>
+        </p:nvSpPr>
+        <p:spPr>
+          <a:xfrm>
+            <a:off x="2480310" y="1854200"/>
+            <a:ext cx="4875530" cy="333375"/>
+          </a:xfrm>
+          <a:prstGeom prst="rect">
+            <a:avLst/>
+          </a:prstGeom>
+          <a:effectLst>
+            <a:innerShdw blurRad="63500" dist="50800" dir="5400000">
+              <a:prstClr val="black">
+                <a:alpha val="50000"/>
+              </a:prstClr>
+            </a:innerShdw>
+            <a:reflection blurRad="6350" stA="52000" endA="300" endPos="35000" dir="5400000" sy="-100000" algn="bl" rotWithShape="0"/>
+          </a:effectLst>
+        </p:spPr>
+        <p:style>
+          <a:lnRef idx="2">
+            <a:schemeClr val="accent4">
+              <a:shade val="50000"/>
+            </a:schemeClr>
+          </a:lnRef>
+          <a:fillRef idx="1">
+            <a:schemeClr val="accent4"/>
+          </a:fillRef>
+          <a:effectRef idx="0">
+            <a:schemeClr val="accent4"/>
+          </a:effectRef>
+          <a:fontRef idx="minor">
+            <a:schemeClr val="lt1"/>
+          </a:fontRef>
+        </p:style>
+        <p:txBody>
+          <a:bodyPr rtlCol="0" anchor="ctr"/>
+          <a:p>
+            <a:pPr algn="ctr"/>
+            <a:r>
+              <a:rPr lang="zh-CN" altLang="en-US"/>
+              <a:t>开关设置内存地址 : 按‘装入地址’按钮</a:t>
+            </a:r>
+            <a:endParaRPr lang="zh-CN" altLang="en-US"/>
+          </a:p>
+        </p:txBody>
+      </p:sp>
+      <p:sp>
+        <p:nvSpPr>
+          <p:cNvPr id="3" name="矩形 2"/>
+          <p:cNvSpPr/>
+          <p:nvPr/>
+        </p:nvSpPr>
+        <p:spPr>
+          <a:xfrm>
+            <a:off x="2480310" y="2758440"/>
+            <a:ext cx="4875530" cy="333375"/>
+          </a:xfrm>
+          <a:prstGeom prst="rect">
+            <a:avLst/>
+          </a:prstGeom>
+          <a:effectLst>
+            <a:innerShdw blurRad="63500" dist="50800" dir="5400000">
+              <a:prstClr val="black">
+                <a:alpha val="50000"/>
+              </a:prstClr>
+            </a:innerShdw>
+            <a:reflection blurRad="6350" stA="52000" endA="300" endPos="35000" dir="5400000" sy="-100000" algn="bl" rotWithShape="0"/>
+          </a:effectLst>
+        </p:spPr>
+        <p:style>
+          <a:lnRef idx="2">
+            <a:schemeClr val="accent4">
+              <a:shade val="50000"/>
+            </a:schemeClr>
+          </a:lnRef>
+          <a:fillRef idx="1">
+            <a:schemeClr val="accent4"/>
+          </a:fillRef>
+          <a:effectRef idx="0">
+            <a:schemeClr val="accent4"/>
+          </a:effectRef>
+          <a:fontRef idx="minor">
+            <a:schemeClr val="lt1"/>
+          </a:fontRef>
+        </p:style>
+        <p:txBody>
+          <a:bodyPr vertOverflow="overflow" horzOverflow="overflow" vert="horz" wrap="square" numCol="1" spcCol="0" rtlCol="0" fromWordArt="0" anchor="ctr" anchorCtr="0" forceAA="0" compatLnSpc="1">
+            <a:noAutofit/>
+          </a:bodyPr>
+          <a:p>
+            <a:pPr lvl="0" algn="ctr">
+              <a:buClrTx/>
+              <a:buSzTx/>
+              <a:buFontTx/>
+            </a:pPr>
+            <a:r>
+              <a:rPr lang="zh-CN" altLang="en-US">
+                <a:sym typeface="+mn-ea"/>
+              </a:rPr>
+              <a:t>开关设置机器指令地址 : 按‘装入数据’按钮</a:t>
+            </a:r>
+            <a:endParaRPr lang="zh-CN" altLang="en-US">
+              <a:sym typeface="+mn-ea"/>
+            </a:endParaRPr>
+          </a:p>
+        </p:txBody>
+      </p:sp>
+      <p:sp>
+        <p:nvSpPr>
+          <p:cNvPr id="4" name="矩形 3"/>
+          <p:cNvSpPr/>
+          <p:nvPr/>
+        </p:nvSpPr>
+        <p:spPr>
+          <a:xfrm>
+            <a:off x="2480310" y="3609340"/>
+            <a:ext cx="4875530" cy="333375"/>
+          </a:xfrm>
+          <a:prstGeom prst="rect">
+            <a:avLst/>
+          </a:prstGeom>
+          <a:effectLst>
+            <a:innerShdw blurRad="63500" dist="50800" dir="5400000">
+              <a:prstClr val="black">
+                <a:alpha val="50000"/>
+              </a:prstClr>
+            </a:innerShdw>
+            <a:reflection blurRad="6350" stA="52000" endA="300" endPos="35000" dir="5400000" sy="-100000" algn="bl" rotWithShape="0"/>
+          </a:effectLst>
+        </p:spPr>
+        <p:style>
+          <a:lnRef idx="2">
+            <a:schemeClr val="accent4">
+              <a:shade val="50000"/>
+            </a:schemeClr>
+          </a:lnRef>
+          <a:fillRef idx="1">
+            <a:schemeClr val="accent4"/>
+          </a:fillRef>
+          <a:effectRef idx="0">
+            <a:schemeClr val="accent4"/>
+          </a:effectRef>
+          <a:fontRef idx="minor">
+            <a:schemeClr val="lt1"/>
+          </a:fontRef>
+        </p:style>
+        <p:txBody>
+          <a:bodyPr vertOverflow="overflow" horzOverflow="overflow" vert="horz" wrap="square" numCol="1" spcCol="0" rtlCol="0" fromWordArt="0" anchor="ctr" anchorCtr="0" forceAA="0" compatLnSpc="1">
+            <a:noAutofit/>
+          </a:bodyPr>
+          <a:p>
+            <a:pPr lvl="0" algn="ctr">
+              <a:buClrTx/>
+              <a:buSzTx/>
+              <a:buFontTx/>
+            </a:pPr>
+            <a:r>
+              <a:rPr lang="zh-CN" altLang="en-US">
+                <a:sym typeface="+mn-ea"/>
+              </a:rPr>
+              <a:t>开关设置程序起始地址 : 按‘运行’按钮</a:t>
+            </a:r>
+            <a:endParaRPr lang="zh-CN" altLang="en-US">
+              <a:sym typeface="+mn-ea"/>
+            </a:endParaRPr>
+          </a:p>
+        </p:txBody>
+      </p:sp>
+      <p:cxnSp>
+        <p:nvCxnSpPr>
+          <p:cNvPr id="5" name="直接箭头连接符 4"/>
+          <p:cNvCxnSpPr>
+            <a:stCxn id="2" idx="2"/>
+            <a:endCxn id="3" idx="0"/>
+          </p:cNvCxnSpPr>
+          <p:nvPr/>
+        </p:nvCxnSpPr>
+        <p:spPr>
+          <a:xfrm>
+            <a:off x="4918075" y="2187575"/>
+            <a:ext cx="0" cy="570865"/>
+          </a:xfrm>
+          <a:prstGeom prst="straightConnector1">
+            <a:avLst/>
+          </a:prstGeom>
+          <a:ln w="25400">
+            <a:gradFill>
+              <a:gsLst>
+                <a:gs pos="0">
+                  <a:schemeClr val="accent1">
+                    <a:lumMod val="5000"/>
+                    <a:lumOff val="95000"/>
+                  </a:schemeClr>
+                </a:gs>
+                <a:gs pos="29000">
+                  <a:schemeClr val="accent1"/>
+                </a:gs>
+                <a:gs pos="83000">
+                  <a:schemeClr val="accent1">
+                    <a:lumMod val="45000"/>
+                    <a:lumOff val="55000"/>
+                  </a:schemeClr>
+                </a:gs>
+                <a:gs pos="100000">
+                  <a:schemeClr val="accent1">
+                    <a:lumMod val="30000"/>
+                    <a:lumOff val="70000"/>
+                  </a:schemeClr>
+                </a:gs>
+              </a:gsLst>
+              <a:lin ang="5400000" scaled="1"/>
+            </a:gradFill>
+            <a:tailEnd type="arrow"/>
+          </a:ln>
+        </p:spPr>
+        <p:style>
+          <a:lnRef idx="1">
+            <a:schemeClr val="accent1"/>
+          </a:lnRef>
+          <a:fillRef idx="0">
+            <a:schemeClr val="accent1"/>
+          </a:fillRef>
+          <a:effectRef idx="0">
+            <a:schemeClr val="accent1"/>
+          </a:effectRef>
+          <a:fontRef idx="minor">
+            <a:schemeClr val="tx1"/>
+          </a:fontRef>
+        </p:style>
+      </p:cxnSp>
+      <p:cxnSp>
+        <p:nvCxnSpPr>
+          <p:cNvPr id="6" name="直接箭头连接符 5"/>
+          <p:cNvCxnSpPr>
+            <a:stCxn id="3" idx="2"/>
+            <a:endCxn id="4" idx="0"/>
+          </p:cNvCxnSpPr>
+          <p:nvPr/>
+        </p:nvCxnSpPr>
+        <p:spPr>
+          <a:xfrm>
+            <a:off x="4918075" y="3091815"/>
+            <a:ext cx="0" cy="517525"/>
+          </a:xfrm>
+          <a:prstGeom prst="straightConnector1">
+            <a:avLst/>
+          </a:prstGeom>
+          <a:ln w="25400">
+            <a:gradFill>
+              <a:gsLst>
+                <a:gs pos="0">
+                  <a:schemeClr val="accent1">
+                    <a:lumMod val="5000"/>
+                    <a:lumOff val="95000"/>
+                  </a:schemeClr>
+                </a:gs>
+                <a:gs pos="29000">
+                  <a:schemeClr val="accent1"/>
+                </a:gs>
+                <a:gs pos="83000">
+                  <a:schemeClr val="accent1">
+                    <a:lumMod val="45000"/>
+                    <a:lumOff val="55000"/>
+                  </a:schemeClr>
+                </a:gs>
+                <a:gs pos="100000">
+                  <a:schemeClr val="accent1">
+                    <a:lumMod val="30000"/>
+                    <a:lumOff val="70000"/>
+                  </a:schemeClr>
+                </a:gs>
+              </a:gsLst>
+              <a:lin ang="5400000" scaled="1"/>
+            </a:gradFill>
+            <a:tailEnd type="arrow"/>
+          </a:ln>
+        </p:spPr>
+        <p:style>
+          <a:lnRef idx="1">
+            <a:schemeClr val="accent1"/>
+          </a:lnRef>
+          <a:fillRef idx="0">
+            <a:schemeClr val="accent1"/>
+          </a:fillRef>
+          <a:effectRef idx="0">
+            <a:schemeClr val="accent1"/>
+          </a:effectRef>
+          <a:fontRef idx="minor">
+            <a:schemeClr val="tx1"/>
+          </a:fontRef>
+        </p:style>
+      </p:cxnSp>
+    </p:spTree>
+    <p:custDataLst>
+      <p:tags r:id="rId1"/>
+    </p:custDataLst>
+  </p:cSld>
+  <p:clrMapOvr>
+    <a:masterClrMapping/>
+  </p:clrMapOvr>
+</p:sld>
+</file>
+
 <file path=ppt/tags/tag1.xml><?xml version="1.0" encoding="utf-8"?>
 <p:tagLst xmlns:p="http://schemas.openxmlformats.org/presentationml/2006/main">
   <p:tag name="KSO_WM_UNIT_HIGHLIGHT" val="0"/>
@@ -24767,6 +25086,14 @@
   <p:tag name="KSO_WM_TEMPLATE_INDEX" val="20199371"/>
   <p:tag name="KSO_WM_SLIDE_LAYOUT" val="m"/>
   <p:tag name="KSO_WM_SLIDE_LAYOUT_CNT" val="1"/>
+</p:tagLst>
+</file>
+
+<file path=ppt/tags/tag286.xml><?xml version="1.0" encoding="utf-8"?>
+<p:tagLst xmlns:p="http://schemas.openxmlformats.org/presentationml/2006/main">
+  <p:tag name="KSO_WM_BEAUTIFY_FLAG" val="#wm#"/>
+  <p:tag name="KSO_WM_TEMPLATE_CATEGORY" val="diagram"/>
+  <p:tag name="KSO_WM_TEMPLATE_INDEX" val="20199371"/>
 </p:tagLst>
 </file>
 
